--- a/NewThesis/LaTex-template-package/Drawing4/SystemOverview.pptx
+++ b/NewThesis/LaTex-template-package/Drawing4/SystemOverview.pptx
@@ -243,7 +243,7 @@
           <a:p>
             <a:fld id="{9515DF3E-F12B-478A-A372-8B0BE7EFCB50}" type="datetimeFigureOut">
               <a:rPr lang="en-CA" smtClean="0"/>
-              <a:t>2016-08-14</a:t>
+              <a:t>18/10/2016</a:t>
             </a:fld>
             <a:endParaRPr lang="en-CA"/>
           </a:p>
@@ -413,7 +413,7 @@
           <a:p>
             <a:fld id="{9515DF3E-F12B-478A-A372-8B0BE7EFCB50}" type="datetimeFigureOut">
               <a:rPr lang="en-CA" smtClean="0"/>
-              <a:t>2016-08-14</a:t>
+              <a:t>18/10/2016</a:t>
             </a:fld>
             <a:endParaRPr lang="en-CA"/>
           </a:p>
@@ -593,7 +593,7 @@
           <a:p>
             <a:fld id="{9515DF3E-F12B-478A-A372-8B0BE7EFCB50}" type="datetimeFigureOut">
               <a:rPr lang="en-CA" smtClean="0"/>
-              <a:t>2016-08-14</a:t>
+              <a:t>18/10/2016</a:t>
             </a:fld>
             <a:endParaRPr lang="en-CA"/>
           </a:p>
@@ -763,7 +763,7 @@
           <a:p>
             <a:fld id="{9515DF3E-F12B-478A-A372-8B0BE7EFCB50}" type="datetimeFigureOut">
               <a:rPr lang="en-CA" smtClean="0"/>
-              <a:t>2016-08-14</a:t>
+              <a:t>18/10/2016</a:t>
             </a:fld>
             <a:endParaRPr lang="en-CA"/>
           </a:p>
@@ -1007,7 +1007,7 @@
           <a:p>
             <a:fld id="{9515DF3E-F12B-478A-A372-8B0BE7EFCB50}" type="datetimeFigureOut">
               <a:rPr lang="en-CA" smtClean="0"/>
-              <a:t>2016-08-14</a:t>
+              <a:t>18/10/2016</a:t>
             </a:fld>
             <a:endParaRPr lang="en-CA"/>
           </a:p>
@@ -1239,7 +1239,7 @@
           <a:p>
             <a:fld id="{9515DF3E-F12B-478A-A372-8B0BE7EFCB50}" type="datetimeFigureOut">
               <a:rPr lang="en-CA" smtClean="0"/>
-              <a:t>2016-08-14</a:t>
+              <a:t>18/10/2016</a:t>
             </a:fld>
             <a:endParaRPr lang="en-CA"/>
           </a:p>
@@ -1606,7 +1606,7 @@
           <a:p>
             <a:fld id="{9515DF3E-F12B-478A-A372-8B0BE7EFCB50}" type="datetimeFigureOut">
               <a:rPr lang="en-CA" smtClean="0"/>
-              <a:t>2016-08-14</a:t>
+              <a:t>18/10/2016</a:t>
             </a:fld>
             <a:endParaRPr lang="en-CA"/>
           </a:p>
@@ -1724,7 +1724,7 @@
           <a:p>
             <a:fld id="{9515DF3E-F12B-478A-A372-8B0BE7EFCB50}" type="datetimeFigureOut">
               <a:rPr lang="en-CA" smtClean="0"/>
-              <a:t>2016-08-14</a:t>
+              <a:t>18/10/2016</a:t>
             </a:fld>
             <a:endParaRPr lang="en-CA"/>
           </a:p>
@@ -1819,7 +1819,7 @@
           <a:p>
             <a:fld id="{9515DF3E-F12B-478A-A372-8B0BE7EFCB50}" type="datetimeFigureOut">
               <a:rPr lang="en-CA" smtClean="0"/>
-              <a:t>2016-08-14</a:t>
+              <a:t>18/10/2016</a:t>
             </a:fld>
             <a:endParaRPr lang="en-CA"/>
           </a:p>
@@ -2096,7 +2096,7 @@
           <a:p>
             <a:fld id="{9515DF3E-F12B-478A-A372-8B0BE7EFCB50}" type="datetimeFigureOut">
               <a:rPr lang="en-CA" smtClean="0"/>
-              <a:t>2016-08-14</a:t>
+              <a:t>18/10/2016</a:t>
             </a:fld>
             <a:endParaRPr lang="en-CA"/>
           </a:p>
@@ -2353,7 +2353,7 @@
           <a:p>
             <a:fld id="{9515DF3E-F12B-478A-A372-8B0BE7EFCB50}" type="datetimeFigureOut">
               <a:rPr lang="en-CA" smtClean="0"/>
-              <a:t>2016-08-14</a:t>
+              <a:t>18/10/2016</a:t>
             </a:fld>
             <a:endParaRPr lang="en-CA"/>
           </a:p>
@@ -2566,7 +2566,7 @@
           <a:p>
             <a:fld id="{9515DF3E-F12B-478A-A372-8B0BE7EFCB50}" type="datetimeFigureOut">
               <a:rPr lang="en-CA" smtClean="0"/>
-              <a:t>2016-08-14</a:t>
+              <a:t>18/10/2016</a:t>
             </a:fld>
             <a:endParaRPr lang="en-CA"/>
           </a:p>
@@ -2979,7 +2979,7 @@
         </p:nvSpPr>
         <p:spPr>
           <a:xfrm>
-            <a:off x="589293" y="5655501"/>
+            <a:off x="589293" y="5625090"/>
             <a:ext cx="7043098" cy="1137454"/>
           </a:xfrm>
           <a:prstGeom prst="rect">
@@ -3073,7 +3073,7 @@
         </p:nvSpPr>
         <p:spPr>
           <a:xfrm>
-            <a:off x="620383" y="384201"/>
+            <a:off x="620383" y="407061"/>
             <a:ext cx="7019548" cy="2383477"/>
           </a:xfrm>
           <a:prstGeom prst="rect">
@@ -3120,7 +3120,7 @@
         </p:nvSpPr>
         <p:spPr>
           <a:xfrm>
-            <a:off x="961303" y="497376"/>
+            <a:off x="950206" y="634340"/>
             <a:ext cx="807940" cy="903615"/>
           </a:xfrm>
           <a:prstGeom prst="flowChartMagneticDisk">
@@ -3190,7 +3190,7 @@
         </p:nvSpPr>
         <p:spPr>
           <a:xfrm>
-            <a:off x="2063994" y="688694"/>
+            <a:off x="2063992" y="868407"/>
             <a:ext cx="195605" cy="408221"/>
           </a:xfrm>
           <a:prstGeom prst="rightArrow">
@@ -3259,7 +3259,7 @@
         </p:nvSpPr>
         <p:spPr>
           <a:xfrm>
-            <a:off x="2578374" y="573334"/>
+            <a:off x="2578374" y="745079"/>
             <a:ext cx="2025616" cy="654875"/>
           </a:xfrm>
           <a:prstGeom prst="roundRect">
@@ -3329,7 +3329,7 @@
         </p:nvSpPr>
         <p:spPr>
           <a:xfrm>
-            <a:off x="5488366" y="631150"/>
+            <a:off x="5516954" y="802820"/>
             <a:ext cx="1267187" cy="501772"/>
           </a:xfrm>
           <a:prstGeom prst="flowChartMultidocument">
@@ -3446,7 +3446,7 @@
         </p:nvSpPr>
         <p:spPr>
           <a:xfrm>
-            <a:off x="4922767" y="677927"/>
+            <a:off x="4983681" y="868405"/>
             <a:ext cx="195605" cy="408221"/>
           </a:xfrm>
           <a:prstGeom prst="rightArrow">
@@ -3585,7 +3585,7 @@
         </p:nvSpPr>
         <p:spPr>
           <a:xfrm rot="5400000">
-            <a:off x="5999714" y="1316570"/>
+            <a:off x="6091811" y="1410681"/>
             <a:ext cx="195605" cy="408221"/>
           </a:xfrm>
           <a:prstGeom prst="rightArrow">
@@ -3654,7 +3654,7 @@
         </p:nvSpPr>
         <p:spPr>
           <a:xfrm rot="10800000">
-            <a:off x="4791696" y="4720077"/>
+            <a:off x="4783065" y="4720077"/>
             <a:ext cx="200616" cy="408221"/>
           </a:xfrm>
           <a:prstGeom prst="rightArrow">
@@ -3780,21 +3780,8 @@
                   <a:srgbClr val="666633"/>
                 </a:solidFill>
               </a:rPr>
-              <a:t> </a:t>
-            </a:r>
-            <a:r>
-              <a:rPr lang="en-CA" sz="1406" dirty="0" smtClean="0">
-                <a:solidFill>
-                  <a:srgbClr val="666633"/>
-                </a:solidFill>
-              </a:rPr>
-              <a:t>Anti-unified AUASTs</a:t>
-            </a:r>
-            <a:endParaRPr lang="en-CA" sz="1406" dirty="0">
-              <a:solidFill>
-                <a:srgbClr val="666633"/>
-              </a:solidFill>
-            </a:endParaRPr>
+              <a:t> Anti-unified AUASTs</a:t>
+            </a:r>
           </a:p>
         </p:txBody>
       </p:sp>
@@ -3876,7 +3863,7 @@
         </p:nvSpPr>
         <p:spPr>
           <a:xfrm>
-            <a:off x="5459868" y="4618783"/>
+            <a:off x="5417168" y="4560349"/>
             <a:ext cx="1611671" cy="587544"/>
           </a:xfrm>
           <a:prstGeom prst="roundRect">
@@ -3946,7 +3933,7 @@
         </p:nvSpPr>
         <p:spPr>
           <a:xfrm>
-            <a:off x="2797409" y="4673302"/>
+            <a:off x="2797409" y="4626527"/>
             <a:ext cx="1267187" cy="501772"/>
           </a:xfrm>
           <a:prstGeom prst="flowChartMultidocument">
@@ -4016,7 +4003,7 @@
         </p:nvSpPr>
         <p:spPr>
           <a:xfrm>
-            <a:off x="2381005" y="5985223"/>
+            <a:off x="2381005" y="5928495"/>
             <a:ext cx="2045508" cy="626122"/>
           </a:xfrm>
           <a:prstGeom prst="roundRect">
@@ -4081,8 +4068,21 @@
                   <a:srgbClr val="666633"/>
                 </a:solidFill>
               </a:rPr>
-              <a:t>Examining structural generalizations</a:t>
-            </a:r>
+              <a:t>Creating the detailed </a:t>
+            </a:r>
+            <a:r>
+              <a:rPr lang="en-CA" sz="1406">
+                <a:solidFill>
+                  <a:srgbClr val="666633"/>
+                </a:solidFill>
+              </a:rPr>
+              <a:t>structural view</a:t>
+            </a:r>
+            <a:endParaRPr lang="en-CA" sz="1406" dirty="0">
+              <a:solidFill>
+                <a:srgbClr val="666633"/>
+              </a:solidFill>
+            </a:endParaRPr>
           </a:p>
           <a:p>
             <a:pPr algn="ctr"/>
@@ -4241,7 +4241,7 @@
         </p:nvSpPr>
         <p:spPr>
           <a:xfrm>
-            <a:off x="2651640" y="1982878"/>
+            <a:off x="2667636" y="1934860"/>
             <a:ext cx="1561487" cy="501772"/>
           </a:xfrm>
           <a:prstGeom prst="flowChartMultidocument">
@@ -4293,26 +4293,13 @@
           <a:p>
             <a:pPr algn="ctr"/>
             <a:r>
-              <a:rPr lang="en-CA" sz="1406" dirty="0" smtClean="0">
+              <a:rPr lang="en-CA" sz="1406" dirty="0">
                 <a:solidFill>
                   <a:srgbClr val="666633"/>
                 </a:solidFill>
               </a:rPr>
-              <a:t>AU</a:t>
-            </a:r>
-            <a:r>
-              <a:rPr lang="en-CA" sz="1406" dirty="0" smtClean="0">
-                <a:solidFill>
-                  <a:srgbClr val="666633"/>
-                </a:solidFill>
-              </a:rPr>
-              <a:t>ASTs </a:t>
-            </a:r>
-            <a:endParaRPr lang="en-CA" sz="1406" dirty="0">
-              <a:solidFill>
-                <a:srgbClr val="666633"/>
-              </a:solidFill>
-            </a:endParaRPr>
+              <a:t>AUASTs </a:t>
+            </a:r>
           </a:p>
         </p:txBody>
       </p:sp>
@@ -4324,7 +4311,7 @@
         </p:nvSpPr>
         <p:spPr>
           <a:xfrm rot="10800000">
-            <a:off x="4590131" y="1981635"/>
+            <a:off x="4568860" y="1958048"/>
             <a:ext cx="195605" cy="408221"/>
           </a:xfrm>
           <a:prstGeom prst="rightArrow">
@@ -4600,7 +4587,7 @@
         </p:nvSpPr>
         <p:spPr>
           <a:xfrm rot="5400000">
-            <a:off x="3206061" y="5271786"/>
+            <a:off x="3283382" y="5273745"/>
             <a:ext cx="295240" cy="475002"/>
           </a:xfrm>
           <a:prstGeom prst="rightArrow">

--- a/NewThesis/LaTex-template-package/Drawing4/SystemOverview.pptx
+++ b/NewThesis/LaTex-template-package/Drawing4/SystemOverview.pptx
@@ -2,12 +2,12 @@
 <file path=ppt/presentation.xml><?xml version="1.0" encoding="utf-8"?>
 <p:presentation xmlns:a="http://schemas.openxmlformats.org/drawingml/2006/main" xmlns:r="http://schemas.openxmlformats.org/officeDocument/2006/relationships" xmlns:p="http://schemas.openxmlformats.org/presentationml/2006/main" saveSubsetFonts="1">
   <p:sldMasterIdLst>
-    <p:sldMasterId id="2147483792" r:id="rId1"/>
+    <p:sldMasterId id="2147483816" r:id="rId1"/>
   </p:sldMasterIdLst>
   <p:sldIdLst>
     <p:sldId id="257" r:id="rId2"/>
   </p:sldIdLst>
-  <p:sldSz cx="8351838" cy="7199313"/>
+  <p:sldSz cx="9720263" cy="7199313"/>
   <p:notesSz cx="6858000" cy="9144000"/>
   <p:defaultTextStyle>
     <a:defPPr>
@@ -106,7 +106,7 @@
   </p:defaultTextStyle>
   <p:extLst>
     <p:ext uri="{EFAFB233-063F-42B5-8137-9DF3F51BA10A}">
-      <p15:sldGuideLst xmlns:p15="http://schemas.microsoft.com/office/powerpoint/2012/main"/>
+      <p15:sldGuideLst xmlns:p15="http://schemas.microsoft.com/office/powerpoint/2012/main" xmlns=""/>
     </p:ext>
   </p:extLst>
 </p:presentation>
@@ -141,15 +141,15 @@
         </p:nvSpPr>
         <p:spPr>
           <a:xfrm>
-            <a:off x="626388" y="1178222"/>
-            <a:ext cx="7099062" cy="2506427"/>
+            <a:off x="729020" y="1178222"/>
+            <a:ext cx="8262224" cy="2506427"/>
           </a:xfrm>
         </p:spPr>
         <p:txBody>
           <a:bodyPr anchor="b"/>
           <a:lstStyle>
             <a:lvl1pPr algn="ctr">
-              <a:defRPr sz="5480"/>
+              <a:defRPr sz="6299"/>
             </a:lvl1pPr>
           </a:lstStyle>
           <a:p>
@@ -173,8 +173,8 @@
         </p:nvSpPr>
         <p:spPr>
           <a:xfrm>
-            <a:off x="1043980" y="3781306"/>
-            <a:ext cx="6263879" cy="1738167"/>
+            <a:off x="1215033" y="3781306"/>
+            <a:ext cx="7290197" cy="1738167"/>
           </a:xfrm>
         </p:spPr>
         <p:txBody>
@@ -182,39 +182,39 @@
           <a:lstStyle>
             <a:lvl1pPr marL="0" indent="0" algn="ctr">
               <a:buNone/>
-              <a:defRPr sz="2192"/>
+              <a:defRPr sz="2520"/>
             </a:lvl1pPr>
-            <a:lvl2pPr marL="417606" indent="0" algn="ctr">
-              <a:buNone/>
-              <a:defRPr sz="1827"/>
+            <a:lvl2pPr marL="479969" indent="0" algn="ctr">
+              <a:buNone/>
+              <a:defRPr sz="2100"/>
             </a:lvl2pPr>
-            <a:lvl3pPr marL="835213" indent="0" algn="ctr">
-              <a:buNone/>
-              <a:defRPr sz="1644"/>
+            <a:lvl3pPr marL="959937" indent="0" algn="ctr">
+              <a:buNone/>
+              <a:defRPr sz="1890"/>
             </a:lvl3pPr>
-            <a:lvl4pPr marL="1252819" indent="0" algn="ctr">
-              <a:buNone/>
-              <a:defRPr sz="1461"/>
+            <a:lvl4pPr marL="1439906" indent="0" algn="ctr">
+              <a:buNone/>
+              <a:defRPr sz="1680"/>
             </a:lvl4pPr>
-            <a:lvl5pPr marL="1670426" indent="0" algn="ctr">
-              <a:buNone/>
-              <a:defRPr sz="1461"/>
+            <a:lvl5pPr marL="1919874" indent="0" algn="ctr">
+              <a:buNone/>
+              <a:defRPr sz="1680"/>
             </a:lvl5pPr>
-            <a:lvl6pPr marL="2088032" indent="0" algn="ctr">
-              <a:buNone/>
-              <a:defRPr sz="1461"/>
+            <a:lvl6pPr marL="2399843" indent="0" algn="ctr">
+              <a:buNone/>
+              <a:defRPr sz="1680"/>
             </a:lvl6pPr>
-            <a:lvl7pPr marL="2505639" indent="0" algn="ctr">
-              <a:buNone/>
-              <a:defRPr sz="1461"/>
+            <a:lvl7pPr marL="2879811" indent="0" algn="ctr">
+              <a:buNone/>
+              <a:defRPr sz="1680"/>
             </a:lvl7pPr>
-            <a:lvl8pPr marL="2923245" indent="0" algn="ctr">
-              <a:buNone/>
-              <a:defRPr sz="1461"/>
+            <a:lvl8pPr marL="3359780" indent="0" algn="ctr">
+              <a:buNone/>
+              <a:defRPr sz="1680"/>
             </a:lvl8pPr>
-            <a:lvl9pPr marL="3340852" indent="0" algn="ctr">
-              <a:buNone/>
-              <a:defRPr sz="1461"/>
+            <a:lvl9pPr marL="3839748" indent="0" algn="ctr">
+              <a:buNone/>
+              <a:defRPr sz="1680"/>
             </a:lvl9pPr>
           </a:lstStyle>
           <a:p>
@@ -243,7 +243,7 @@
           <a:p>
             <a:fld id="{9515DF3E-F12B-478A-A372-8B0BE7EFCB50}" type="datetimeFigureOut">
               <a:rPr lang="en-CA" smtClean="0"/>
-              <a:t>18/10/2016</a:t>
+              <a:t>11/5/16</a:t>
             </a:fld>
             <a:endParaRPr lang="en-CA"/>
           </a:p>
@@ -294,7 +294,7 @@
     </p:spTree>
     <p:extLst>
       <p:ext uri="{BB962C8B-B14F-4D97-AF65-F5344CB8AC3E}">
-        <p14:creationId xmlns:p14="http://schemas.microsoft.com/office/powerpoint/2010/main" val="2608992037"/>
+        <p14:creationId xmlns:p14="http://schemas.microsoft.com/office/powerpoint/2010/main" val="251305388"/>
       </p:ext>
     </p:extLst>
   </p:cSld>
@@ -413,7 +413,7 @@
           <a:p>
             <a:fld id="{9515DF3E-F12B-478A-A372-8B0BE7EFCB50}" type="datetimeFigureOut">
               <a:rPr lang="en-CA" smtClean="0"/>
-              <a:t>18/10/2016</a:t>
+              <a:t>11/5/16</a:t>
             </a:fld>
             <a:endParaRPr lang="en-CA"/>
           </a:p>
@@ -464,7 +464,7 @@
     </p:spTree>
     <p:extLst>
       <p:ext uri="{BB962C8B-B14F-4D97-AF65-F5344CB8AC3E}">
-        <p14:creationId xmlns:p14="http://schemas.microsoft.com/office/powerpoint/2010/main" val="2476272159"/>
+        <p14:creationId xmlns:p14="http://schemas.microsoft.com/office/powerpoint/2010/main" val="4060851039"/>
       </p:ext>
     </p:extLst>
   </p:cSld>
@@ -503,8 +503,8 @@
         </p:nvSpPr>
         <p:spPr>
           <a:xfrm>
-            <a:off x="5976785" y="383297"/>
-            <a:ext cx="1800865" cy="6101085"/>
+            <a:off x="6956064" y="383297"/>
+            <a:ext cx="2095932" cy="6101085"/>
           </a:xfrm>
         </p:spPr>
         <p:txBody>
@@ -531,8 +531,8 @@
         </p:nvSpPr>
         <p:spPr>
           <a:xfrm>
-            <a:off x="574189" y="383297"/>
-            <a:ext cx="5298197" cy="6101085"/>
+            <a:off x="668269" y="383297"/>
+            <a:ext cx="6166292" cy="6101085"/>
           </a:xfrm>
         </p:spPr>
         <p:txBody>
@@ -593,7 +593,7 @@
           <a:p>
             <a:fld id="{9515DF3E-F12B-478A-A372-8B0BE7EFCB50}" type="datetimeFigureOut">
               <a:rPr lang="en-CA" smtClean="0"/>
-              <a:t>18/10/2016</a:t>
+              <a:t>11/5/16</a:t>
             </a:fld>
             <a:endParaRPr lang="en-CA"/>
           </a:p>
@@ -644,7 +644,7 @@
     </p:spTree>
     <p:extLst>
       <p:ext uri="{BB962C8B-B14F-4D97-AF65-F5344CB8AC3E}">
-        <p14:creationId xmlns:p14="http://schemas.microsoft.com/office/powerpoint/2010/main" val="139555839"/>
+        <p14:creationId xmlns:p14="http://schemas.microsoft.com/office/powerpoint/2010/main" val="1465143128"/>
       </p:ext>
     </p:extLst>
   </p:cSld>
@@ -763,7 +763,7 @@
           <a:p>
             <a:fld id="{9515DF3E-F12B-478A-A372-8B0BE7EFCB50}" type="datetimeFigureOut">
               <a:rPr lang="en-CA" smtClean="0"/>
-              <a:t>18/10/2016</a:t>
+              <a:t>11/5/16</a:t>
             </a:fld>
             <a:endParaRPr lang="en-CA"/>
           </a:p>
@@ -814,7 +814,7 @@
     </p:spTree>
     <p:extLst>
       <p:ext uri="{BB962C8B-B14F-4D97-AF65-F5344CB8AC3E}">
-        <p14:creationId xmlns:p14="http://schemas.microsoft.com/office/powerpoint/2010/main" val="3128361060"/>
+        <p14:creationId xmlns:p14="http://schemas.microsoft.com/office/powerpoint/2010/main" val="4092399942"/>
       </p:ext>
     </p:extLst>
   </p:cSld>
@@ -853,15 +853,15 @@
         </p:nvSpPr>
         <p:spPr>
           <a:xfrm>
-            <a:off x="569840" y="1794831"/>
-            <a:ext cx="7203460" cy="2994714"/>
+            <a:off x="663206" y="1794831"/>
+            <a:ext cx="8383727" cy="2994714"/>
           </a:xfrm>
         </p:spPr>
         <p:txBody>
           <a:bodyPr anchor="b"/>
           <a:lstStyle>
             <a:lvl1pPr>
-              <a:defRPr sz="5480"/>
+              <a:defRPr sz="6299"/>
             </a:lvl1pPr>
           </a:lstStyle>
           <a:p>
@@ -885,8 +885,8 @@
         </p:nvSpPr>
         <p:spPr>
           <a:xfrm>
-            <a:off x="569840" y="4817876"/>
-            <a:ext cx="7203460" cy="1574849"/>
+            <a:off x="663206" y="4817876"/>
+            <a:ext cx="8383727" cy="1574849"/>
           </a:xfrm>
         </p:spPr>
         <p:txBody>
@@ -894,15 +894,15 @@
           <a:lstStyle>
             <a:lvl1pPr marL="0" indent="0">
               <a:buNone/>
-              <a:defRPr sz="2192">
+              <a:defRPr sz="2520">
                 <a:solidFill>
                   <a:schemeClr val="tx1"/>
                 </a:solidFill>
               </a:defRPr>
             </a:lvl1pPr>
-            <a:lvl2pPr marL="417606" indent="0">
-              <a:buNone/>
-              <a:defRPr sz="1827">
+            <a:lvl2pPr marL="479969" indent="0">
+              <a:buNone/>
+              <a:defRPr sz="2100">
                 <a:solidFill>
                   <a:schemeClr val="tx1">
                     <a:tint val="75000"/>
@@ -910,9 +910,9 @@
                 </a:solidFill>
               </a:defRPr>
             </a:lvl2pPr>
-            <a:lvl3pPr marL="835213" indent="0">
-              <a:buNone/>
-              <a:defRPr sz="1644">
+            <a:lvl3pPr marL="959937" indent="0">
+              <a:buNone/>
+              <a:defRPr sz="1890">
                 <a:solidFill>
                   <a:schemeClr val="tx1">
                     <a:tint val="75000"/>
@@ -920,9 +920,9 @@
                 </a:solidFill>
               </a:defRPr>
             </a:lvl3pPr>
-            <a:lvl4pPr marL="1252819" indent="0">
-              <a:buNone/>
-              <a:defRPr sz="1461">
+            <a:lvl4pPr marL="1439906" indent="0">
+              <a:buNone/>
+              <a:defRPr sz="1680">
                 <a:solidFill>
                   <a:schemeClr val="tx1">
                     <a:tint val="75000"/>
@@ -930,9 +930,9 @@
                 </a:solidFill>
               </a:defRPr>
             </a:lvl4pPr>
-            <a:lvl5pPr marL="1670426" indent="0">
-              <a:buNone/>
-              <a:defRPr sz="1461">
+            <a:lvl5pPr marL="1919874" indent="0">
+              <a:buNone/>
+              <a:defRPr sz="1680">
                 <a:solidFill>
                   <a:schemeClr val="tx1">
                     <a:tint val="75000"/>
@@ -940,9 +940,9 @@
                 </a:solidFill>
               </a:defRPr>
             </a:lvl5pPr>
-            <a:lvl6pPr marL="2088032" indent="0">
-              <a:buNone/>
-              <a:defRPr sz="1461">
+            <a:lvl6pPr marL="2399843" indent="0">
+              <a:buNone/>
+              <a:defRPr sz="1680">
                 <a:solidFill>
                   <a:schemeClr val="tx1">
                     <a:tint val="75000"/>
@@ -950,9 +950,9 @@
                 </a:solidFill>
               </a:defRPr>
             </a:lvl6pPr>
-            <a:lvl7pPr marL="2505639" indent="0">
-              <a:buNone/>
-              <a:defRPr sz="1461">
+            <a:lvl7pPr marL="2879811" indent="0">
+              <a:buNone/>
+              <a:defRPr sz="1680">
                 <a:solidFill>
                   <a:schemeClr val="tx1">
                     <a:tint val="75000"/>
@@ -960,9 +960,9 @@
                 </a:solidFill>
               </a:defRPr>
             </a:lvl7pPr>
-            <a:lvl8pPr marL="2923245" indent="0">
-              <a:buNone/>
-              <a:defRPr sz="1461">
+            <a:lvl8pPr marL="3359780" indent="0">
+              <a:buNone/>
+              <a:defRPr sz="1680">
                 <a:solidFill>
                   <a:schemeClr val="tx1">
                     <a:tint val="75000"/>
@@ -970,9 +970,9 @@
                 </a:solidFill>
               </a:defRPr>
             </a:lvl8pPr>
-            <a:lvl9pPr marL="3340852" indent="0">
-              <a:buNone/>
-              <a:defRPr sz="1461">
+            <a:lvl9pPr marL="3839748" indent="0">
+              <a:buNone/>
+              <a:defRPr sz="1680">
                 <a:solidFill>
                   <a:schemeClr val="tx1">
                     <a:tint val="75000"/>
@@ -1007,7 +1007,7 @@
           <a:p>
             <a:fld id="{9515DF3E-F12B-478A-A372-8B0BE7EFCB50}" type="datetimeFigureOut">
               <a:rPr lang="en-CA" smtClean="0"/>
-              <a:t>18/10/2016</a:t>
+              <a:t>11/5/16</a:t>
             </a:fld>
             <a:endParaRPr lang="en-CA"/>
           </a:p>
@@ -1058,7 +1058,7 @@
     </p:spTree>
     <p:extLst>
       <p:ext uri="{BB962C8B-B14F-4D97-AF65-F5344CB8AC3E}">
-        <p14:creationId xmlns:p14="http://schemas.microsoft.com/office/powerpoint/2010/main" val="392658176"/>
+        <p14:creationId xmlns:p14="http://schemas.microsoft.com/office/powerpoint/2010/main" val="3270769761"/>
       </p:ext>
     </p:extLst>
   </p:cSld>
@@ -1120,8 +1120,8 @@
         </p:nvSpPr>
         <p:spPr>
           <a:xfrm>
-            <a:off x="574189" y="1916484"/>
-            <a:ext cx="3549531" cy="4567898"/>
+            <a:off x="668268" y="1916484"/>
+            <a:ext cx="4131112" cy="4567898"/>
           </a:xfrm>
         </p:spPr>
         <p:txBody>
@@ -1177,8 +1177,8 @@
         </p:nvSpPr>
         <p:spPr>
           <a:xfrm>
-            <a:off x="4228118" y="1916484"/>
-            <a:ext cx="3549531" cy="4567898"/>
+            <a:off x="4920883" y="1916484"/>
+            <a:ext cx="4131112" cy="4567898"/>
           </a:xfrm>
         </p:spPr>
         <p:txBody>
@@ -1239,7 +1239,7 @@
           <a:p>
             <a:fld id="{9515DF3E-F12B-478A-A372-8B0BE7EFCB50}" type="datetimeFigureOut">
               <a:rPr lang="en-CA" smtClean="0"/>
-              <a:t>18/10/2016</a:t>
+              <a:t>11/5/16</a:t>
             </a:fld>
             <a:endParaRPr lang="en-CA"/>
           </a:p>
@@ -1290,7 +1290,7 @@
     </p:spTree>
     <p:extLst>
       <p:ext uri="{BB962C8B-B14F-4D97-AF65-F5344CB8AC3E}">
-        <p14:creationId xmlns:p14="http://schemas.microsoft.com/office/powerpoint/2010/main" val="2307877572"/>
+        <p14:creationId xmlns:p14="http://schemas.microsoft.com/office/powerpoint/2010/main" val="2031460095"/>
       </p:ext>
     </p:extLst>
   </p:cSld>
@@ -1329,8 +1329,8 @@
         </p:nvSpPr>
         <p:spPr>
           <a:xfrm>
-            <a:off x="575277" y="383299"/>
-            <a:ext cx="7203460" cy="1391534"/>
+            <a:off x="669534" y="383299"/>
+            <a:ext cx="8383727" cy="1391534"/>
           </a:xfrm>
         </p:spPr>
         <p:txBody>
@@ -1357,8 +1357,8 @@
         </p:nvSpPr>
         <p:spPr>
           <a:xfrm>
-            <a:off x="575278" y="1764832"/>
-            <a:ext cx="3533218" cy="864917"/>
+            <a:off x="669535" y="1764832"/>
+            <a:ext cx="4112126" cy="864917"/>
           </a:xfrm>
         </p:spPr>
         <p:txBody>
@@ -1366,39 +1366,39 @@
           <a:lstStyle>
             <a:lvl1pPr marL="0" indent="0">
               <a:buNone/>
-              <a:defRPr sz="2192" b="1"/>
+              <a:defRPr sz="2520" b="1"/>
             </a:lvl1pPr>
-            <a:lvl2pPr marL="417606" indent="0">
-              <a:buNone/>
-              <a:defRPr sz="1827" b="1"/>
+            <a:lvl2pPr marL="479969" indent="0">
+              <a:buNone/>
+              <a:defRPr sz="2100" b="1"/>
             </a:lvl2pPr>
-            <a:lvl3pPr marL="835213" indent="0">
-              <a:buNone/>
-              <a:defRPr sz="1644" b="1"/>
+            <a:lvl3pPr marL="959937" indent="0">
+              <a:buNone/>
+              <a:defRPr sz="1890" b="1"/>
             </a:lvl3pPr>
-            <a:lvl4pPr marL="1252819" indent="0">
-              <a:buNone/>
-              <a:defRPr sz="1461" b="1"/>
+            <a:lvl4pPr marL="1439906" indent="0">
+              <a:buNone/>
+              <a:defRPr sz="1680" b="1"/>
             </a:lvl4pPr>
-            <a:lvl5pPr marL="1670426" indent="0">
-              <a:buNone/>
-              <a:defRPr sz="1461" b="1"/>
+            <a:lvl5pPr marL="1919874" indent="0">
+              <a:buNone/>
+              <a:defRPr sz="1680" b="1"/>
             </a:lvl5pPr>
-            <a:lvl6pPr marL="2088032" indent="0">
-              <a:buNone/>
-              <a:defRPr sz="1461" b="1"/>
+            <a:lvl6pPr marL="2399843" indent="0">
+              <a:buNone/>
+              <a:defRPr sz="1680" b="1"/>
             </a:lvl6pPr>
-            <a:lvl7pPr marL="2505639" indent="0">
-              <a:buNone/>
-              <a:defRPr sz="1461" b="1"/>
+            <a:lvl7pPr marL="2879811" indent="0">
+              <a:buNone/>
+              <a:defRPr sz="1680" b="1"/>
             </a:lvl7pPr>
-            <a:lvl8pPr marL="2923245" indent="0">
-              <a:buNone/>
-              <a:defRPr sz="1461" b="1"/>
+            <a:lvl8pPr marL="3359780" indent="0">
+              <a:buNone/>
+              <a:defRPr sz="1680" b="1"/>
             </a:lvl8pPr>
-            <a:lvl9pPr marL="3340852" indent="0">
-              <a:buNone/>
-              <a:defRPr sz="1461" b="1"/>
+            <a:lvl9pPr marL="3839748" indent="0">
+              <a:buNone/>
+              <a:defRPr sz="1680" b="1"/>
             </a:lvl9pPr>
           </a:lstStyle>
           <a:p>
@@ -1422,8 +1422,8 @@
         </p:nvSpPr>
         <p:spPr>
           <a:xfrm>
-            <a:off x="575278" y="2629749"/>
-            <a:ext cx="3533218" cy="3867965"/>
+            <a:off x="669535" y="2629749"/>
+            <a:ext cx="4112126" cy="3867965"/>
           </a:xfrm>
         </p:spPr>
         <p:txBody>
@@ -1479,8 +1479,8 @@
         </p:nvSpPr>
         <p:spPr>
           <a:xfrm>
-            <a:off x="4228118" y="1764832"/>
-            <a:ext cx="3550619" cy="864917"/>
+            <a:off x="4920884" y="1764832"/>
+            <a:ext cx="4132378" cy="864917"/>
           </a:xfrm>
         </p:spPr>
         <p:txBody>
@@ -1488,39 +1488,39 @@
           <a:lstStyle>
             <a:lvl1pPr marL="0" indent="0">
               <a:buNone/>
-              <a:defRPr sz="2192" b="1"/>
+              <a:defRPr sz="2520" b="1"/>
             </a:lvl1pPr>
-            <a:lvl2pPr marL="417606" indent="0">
-              <a:buNone/>
-              <a:defRPr sz="1827" b="1"/>
+            <a:lvl2pPr marL="479969" indent="0">
+              <a:buNone/>
+              <a:defRPr sz="2100" b="1"/>
             </a:lvl2pPr>
-            <a:lvl3pPr marL="835213" indent="0">
-              <a:buNone/>
-              <a:defRPr sz="1644" b="1"/>
+            <a:lvl3pPr marL="959937" indent="0">
+              <a:buNone/>
+              <a:defRPr sz="1890" b="1"/>
             </a:lvl3pPr>
-            <a:lvl4pPr marL="1252819" indent="0">
-              <a:buNone/>
-              <a:defRPr sz="1461" b="1"/>
+            <a:lvl4pPr marL="1439906" indent="0">
+              <a:buNone/>
+              <a:defRPr sz="1680" b="1"/>
             </a:lvl4pPr>
-            <a:lvl5pPr marL="1670426" indent="0">
-              <a:buNone/>
-              <a:defRPr sz="1461" b="1"/>
+            <a:lvl5pPr marL="1919874" indent="0">
+              <a:buNone/>
+              <a:defRPr sz="1680" b="1"/>
             </a:lvl5pPr>
-            <a:lvl6pPr marL="2088032" indent="0">
-              <a:buNone/>
-              <a:defRPr sz="1461" b="1"/>
+            <a:lvl6pPr marL="2399843" indent="0">
+              <a:buNone/>
+              <a:defRPr sz="1680" b="1"/>
             </a:lvl6pPr>
-            <a:lvl7pPr marL="2505639" indent="0">
-              <a:buNone/>
-              <a:defRPr sz="1461" b="1"/>
+            <a:lvl7pPr marL="2879811" indent="0">
+              <a:buNone/>
+              <a:defRPr sz="1680" b="1"/>
             </a:lvl7pPr>
-            <a:lvl8pPr marL="2923245" indent="0">
-              <a:buNone/>
-              <a:defRPr sz="1461" b="1"/>
+            <a:lvl8pPr marL="3359780" indent="0">
+              <a:buNone/>
+              <a:defRPr sz="1680" b="1"/>
             </a:lvl8pPr>
-            <a:lvl9pPr marL="3340852" indent="0">
-              <a:buNone/>
-              <a:defRPr sz="1461" b="1"/>
+            <a:lvl9pPr marL="3839748" indent="0">
+              <a:buNone/>
+              <a:defRPr sz="1680" b="1"/>
             </a:lvl9pPr>
           </a:lstStyle>
           <a:p>
@@ -1544,8 +1544,8 @@
         </p:nvSpPr>
         <p:spPr>
           <a:xfrm>
-            <a:off x="4228118" y="2629749"/>
-            <a:ext cx="3550619" cy="3867965"/>
+            <a:off x="4920884" y="2629749"/>
+            <a:ext cx="4132378" cy="3867965"/>
           </a:xfrm>
         </p:spPr>
         <p:txBody>
@@ -1606,7 +1606,7 @@
           <a:p>
             <a:fld id="{9515DF3E-F12B-478A-A372-8B0BE7EFCB50}" type="datetimeFigureOut">
               <a:rPr lang="en-CA" smtClean="0"/>
-              <a:t>18/10/2016</a:t>
+              <a:t>11/5/16</a:t>
             </a:fld>
             <a:endParaRPr lang="en-CA"/>
           </a:p>
@@ -1657,7 +1657,7 @@
     </p:spTree>
     <p:extLst>
       <p:ext uri="{BB962C8B-B14F-4D97-AF65-F5344CB8AC3E}">
-        <p14:creationId xmlns:p14="http://schemas.microsoft.com/office/powerpoint/2010/main" val="1348660389"/>
+        <p14:creationId xmlns:p14="http://schemas.microsoft.com/office/powerpoint/2010/main" val="3213830494"/>
       </p:ext>
     </p:extLst>
   </p:cSld>
@@ -1724,7 +1724,7 @@
           <a:p>
             <a:fld id="{9515DF3E-F12B-478A-A372-8B0BE7EFCB50}" type="datetimeFigureOut">
               <a:rPr lang="en-CA" smtClean="0"/>
-              <a:t>18/10/2016</a:t>
+              <a:t>11/5/16</a:t>
             </a:fld>
             <a:endParaRPr lang="en-CA"/>
           </a:p>
@@ -1775,7 +1775,7 @@
     </p:spTree>
     <p:extLst>
       <p:ext uri="{BB962C8B-B14F-4D97-AF65-F5344CB8AC3E}">
-        <p14:creationId xmlns:p14="http://schemas.microsoft.com/office/powerpoint/2010/main" val="3629893702"/>
+        <p14:creationId xmlns:p14="http://schemas.microsoft.com/office/powerpoint/2010/main" val="3355984208"/>
       </p:ext>
     </p:extLst>
   </p:cSld>
@@ -1819,7 +1819,7 @@
           <a:p>
             <a:fld id="{9515DF3E-F12B-478A-A372-8B0BE7EFCB50}" type="datetimeFigureOut">
               <a:rPr lang="en-CA" smtClean="0"/>
-              <a:t>18/10/2016</a:t>
+              <a:t>11/5/16</a:t>
             </a:fld>
             <a:endParaRPr lang="en-CA"/>
           </a:p>
@@ -1870,7 +1870,7 @@
     </p:spTree>
     <p:extLst>
       <p:ext uri="{BB962C8B-B14F-4D97-AF65-F5344CB8AC3E}">
-        <p14:creationId xmlns:p14="http://schemas.microsoft.com/office/powerpoint/2010/main" val="4014553063"/>
+        <p14:creationId xmlns:p14="http://schemas.microsoft.com/office/powerpoint/2010/main" val="624247469"/>
       </p:ext>
     </p:extLst>
   </p:cSld>
@@ -1909,15 +1909,15 @@
         </p:nvSpPr>
         <p:spPr>
           <a:xfrm>
-            <a:off x="575277" y="479954"/>
-            <a:ext cx="2693685" cy="1679840"/>
+            <a:off x="669534" y="479954"/>
+            <a:ext cx="3135038" cy="1679840"/>
           </a:xfrm>
         </p:spPr>
         <p:txBody>
           <a:bodyPr anchor="b"/>
           <a:lstStyle>
             <a:lvl1pPr>
-              <a:defRPr sz="2923"/>
+              <a:defRPr sz="3359"/>
             </a:lvl1pPr>
           </a:lstStyle>
           <a:p>
@@ -1941,39 +1941,39 @@
         </p:nvSpPr>
         <p:spPr>
           <a:xfrm>
-            <a:off x="3550619" y="1036570"/>
-            <a:ext cx="4228118" cy="5116178"/>
+            <a:off x="4132378" y="1036570"/>
+            <a:ext cx="4920883" cy="5116178"/>
           </a:xfrm>
         </p:spPr>
         <p:txBody>
           <a:bodyPr/>
           <a:lstStyle>
             <a:lvl1pPr>
-              <a:defRPr sz="2923"/>
+              <a:defRPr sz="3359"/>
             </a:lvl1pPr>
             <a:lvl2pPr>
-              <a:defRPr sz="2558"/>
+              <a:defRPr sz="2939"/>
             </a:lvl2pPr>
             <a:lvl3pPr>
-              <a:defRPr sz="2192"/>
+              <a:defRPr sz="2520"/>
             </a:lvl3pPr>
             <a:lvl4pPr>
-              <a:defRPr sz="1827"/>
+              <a:defRPr sz="2100"/>
             </a:lvl4pPr>
             <a:lvl5pPr>
-              <a:defRPr sz="1827"/>
+              <a:defRPr sz="2100"/>
             </a:lvl5pPr>
             <a:lvl6pPr>
-              <a:defRPr sz="1827"/>
+              <a:defRPr sz="2100"/>
             </a:lvl6pPr>
             <a:lvl7pPr>
-              <a:defRPr sz="1827"/>
+              <a:defRPr sz="2100"/>
             </a:lvl7pPr>
             <a:lvl8pPr>
-              <a:defRPr sz="1827"/>
+              <a:defRPr sz="2100"/>
             </a:lvl8pPr>
             <a:lvl9pPr>
-              <a:defRPr sz="1827"/>
+              <a:defRPr sz="2100"/>
             </a:lvl9pPr>
           </a:lstStyle>
           <a:p>
@@ -2026,8 +2026,8 @@
         </p:nvSpPr>
         <p:spPr>
           <a:xfrm>
-            <a:off x="575277" y="2159794"/>
-            <a:ext cx="2693685" cy="4001285"/>
+            <a:off x="669534" y="2159794"/>
+            <a:ext cx="3135038" cy="4001285"/>
           </a:xfrm>
         </p:spPr>
         <p:txBody>
@@ -2035,39 +2035,39 @@
           <a:lstStyle>
             <a:lvl1pPr marL="0" indent="0">
               <a:buNone/>
-              <a:defRPr sz="1461"/>
+              <a:defRPr sz="1680"/>
             </a:lvl1pPr>
-            <a:lvl2pPr marL="417606" indent="0">
-              <a:buNone/>
-              <a:defRPr sz="1279"/>
+            <a:lvl2pPr marL="479969" indent="0">
+              <a:buNone/>
+              <a:defRPr sz="1470"/>
             </a:lvl2pPr>
-            <a:lvl3pPr marL="835213" indent="0">
-              <a:buNone/>
-              <a:defRPr sz="1096"/>
+            <a:lvl3pPr marL="959937" indent="0">
+              <a:buNone/>
+              <a:defRPr sz="1260"/>
             </a:lvl3pPr>
-            <a:lvl4pPr marL="1252819" indent="0">
-              <a:buNone/>
-              <a:defRPr sz="913"/>
+            <a:lvl4pPr marL="1439906" indent="0">
+              <a:buNone/>
+              <a:defRPr sz="1050"/>
             </a:lvl4pPr>
-            <a:lvl5pPr marL="1670426" indent="0">
-              <a:buNone/>
-              <a:defRPr sz="913"/>
+            <a:lvl5pPr marL="1919874" indent="0">
+              <a:buNone/>
+              <a:defRPr sz="1050"/>
             </a:lvl5pPr>
-            <a:lvl6pPr marL="2088032" indent="0">
-              <a:buNone/>
-              <a:defRPr sz="913"/>
+            <a:lvl6pPr marL="2399843" indent="0">
+              <a:buNone/>
+              <a:defRPr sz="1050"/>
             </a:lvl6pPr>
-            <a:lvl7pPr marL="2505639" indent="0">
-              <a:buNone/>
-              <a:defRPr sz="913"/>
+            <a:lvl7pPr marL="2879811" indent="0">
+              <a:buNone/>
+              <a:defRPr sz="1050"/>
             </a:lvl7pPr>
-            <a:lvl8pPr marL="2923245" indent="0">
-              <a:buNone/>
-              <a:defRPr sz="913"/>
+            <a:lvl8pPr marL="3359780" indent="0">
+              <a:buNone/>
+              <a:defRPr sz="1050"/>
             </a:lvl8pPr>
-            <a:lvl9pPr marL="3340852" indent="0">
-              <a:buNone/>
-              <a:defRPr sz="913"/>
+            <a:lvl9pPr marL="3839748" indent="0">
+              <a:buNone/>
+              <a:defRPr sz="1050"/>
             </a:lvl9pPr>
           </a:lstStyle>
           <a:p>
@@ -2096,7 +2096,7 @@
           <a:p>
             <a:fld id="{9515DF3E-F12B-478A-A372-8B0BE7EFCB50}" type="datetimeFigureOut">
               <a:rPr lang="en-CA" smtClean="0"/>
-              <a:t>18/10/2016</a:t>
+              <a:t>11/5/16</a:t>
             </a:fld>
             <a:endParaRPr lang="en-CA"/>
           </a:p>
@@ -2147,7 +2147,7 @@
     </p:spTree>
     <p:extLst>
       <p:ext uri="{BB962C8B-B14F-4D97-AF65-F5344CB8AC3E}">
-        <p14:creationId xmlns:p14="http://schemas.microsoft.com/office/powerpoint/2010/main" val="1131904925"/>
+        <p14:creationId xmlns:p14="http://schemas.microsoft.com/office/powerpoint/2010/main" val="3469207974"/>
       </p:ext>
     </p:extLst>
   </p:cSld>
@@ -2186,15 +2186,15 @@
         </p:nvSpPr>
         <p:spPr>
           <a:xfrm>
-            <a:off x="575277" y="479954"/>
-            <a:ext cx="2693685" cy="1679840"/>
+            <a:off x="669534" y="479954"/>
+            <a:ext cx="3135038" cy="1679840"/>
           </a:xfrm>
         </p:spPr>
         <p:txBody>
           <a:bodyPr anchor="b"/>
           <a:lstStyle>
             <a:lvl1pPr>
-              <a:defRPr sz="2923"/>
+              <a:defRPr sz="3359"/>
             </a:lvl1pPr>
           </a:lstStyle>
           <a:p>
@@ -2218,8 +2218,8 @@
         </p:nvSpPr>
         <p:spPr>
           <a:xfrm>
-            <a:off x="3550619" y="1036570"/>
-            <a:ext cx="4228118" cy="5116178"/>
+            <a:off x="4132378" y="1036570"/>
+            <a:ext cx="4920883" cy="5116178"/>
           </a:xfrm>
         </p:spPr>
         <p:txBody>
@@ -2227,39 +2227,39 @@
           <a:lstStyle>
             <a:lvl1pPr marL="0" indent="0">
               <a:buNone/>
-              <a:defRPr sz="2923"/>
+              <a:defRPr sz="3359"/>
             </a:lvl1pPr>
-            <a:lvl2pPr marL="417606" indent="0">
-              <a:buNone/>
-              <a:defRPr sz="2558"/>
+            <a:lvl2pPr marL="479969" indent="0">
+              <a:buNone/>
+              <a:defRPr sz="2939"/>
             </a:lvl2pPr>
-            <a:lvl3pPr marL="835213" indent="0">
-              <a:buNone/>
-              <a:defRPr sz="2192"/>
+            <a:lvl3pPr marL="959937" indent="0">
+              <a:buNone/>
+              <a:defRPr sz="2520"/>
             </a:lvl3pPr>
-            <a:lvl4pPr marL="1252819" indent="0">
-              <a:buNone/>
-              <a:defRPr sz="1827"/>
+            <a:lvl4pPr marL="1439906" indent="0">
+              <a:buNone/>
+              <a:defRPr sz="2100"/>
             </a:lvl4pPr>
-            <a:lvl5pPr marL="1670426" indent="0">
-              <a:buNone/>
-              <a:defRPr sz="1827"/>
+            <a:lvl5pPr marL="1919874" indent="0">
+              <a:buNone/>
+              <a:defRPr sz="2100"/>
             </a:lvl5pPr>
-            <a:lvl6pPr marL="2088032" indent="0">
-              <a:buNone/>
-              <a:defRPr sz="1827"/>
+            <a:lvl6pPr marL="2399843" indent="0">
+              <a:buNone/>
+              <a:defRPr sz="2100"/>
             </a:lvl6pPr>
-            <a:lvl7pPr marL="2505639" indent="0">
-              <a:buNone/>
-              <a:defRPr sz="1827"/>
+            <a:lvl7pPr marL="2879811" indent="0">
+              <a:buNone/>
+              <a:defRPr sz="2100"/>
             </a:lvl7pPr>
-            <a:lvl8pPr marL="2923245" indent="0">
-              <a:buNone/>
-              <a:defRPr sz="1827"/>
+            <a:lvl8pPr marL="3359780" indent="0">
+              <a:buNone/>
+              <a:defRPr sz="2100"/>
             </a:lvl8pPr>
-            <a:lvl9pPr marL="3340852" indent="0">
-              <a:buNone/>
-              <a:defRPr sz="1827"/>
+            <a:lvl9pPr marL="3839748" indent="0">
+              <a:buNone/>
+              <a:defRPr sz="2100"/>
             </a:lvl9pPr>
           </a:lstStyle>
           <a:p>
@@ -2283,8 +2283,8 @@
         </p:nvSpPr>
         <p:spPr>
           <a:xfrm>
-            <a:off x="575277" y="2159794"/>
-            <a:ext cx="2693685" cy="4001285"/>
+            <a:off x="669534" y="2159794"/>
+            <a:ext cx="3135038" cy="4001285"/>
           </a:xfrm>
         </p:spPr>
         <p:txBody>
@@ -2292,39 +2292,39 @@
           <a:lstStyle>
             <a:lvl1pPr marL="0" indent="0">
               <a:buNone/>
-              <a:defRPr sz="1461"/>
+              <a:defRPr sz="1680"/>
             </a:lvl1pPr>
-            <a:lvl2pPr marL="417606" indent="0">
-              <a:buNone/>
-              <a:defRPr sz="1279"/>
+            <a:lvl2pPr marL="479969" indent="0">
+              <a:buNone/>
+              <a:defRPr sz="1470"/>
             </a:lvl2pPr>
-            <a:lvl3pPr marL="835213" indent="0">
-              <a:buNone/>
-              <a:defRPr sz="1096"/>
+            <a:lvl3pPr marL="959937" indent="0">
+              <a:buNone/>
+              <a:defRPr sz="1260"/>
             </a:lvl3pPr>
-            <a:lvl4pPr marL="1252819" indent="0">
-              <a:buNone/>
-              <a:defRPr sz="913"/>
+            <a:lvl4pPr marL="1439906" indent="0">
+              <a:buNone/>
+              <a:defRPr sz="1050"/>
             </a:lvl4pPr>
-            <a:lvl5pPr marL="1670426" indent="0">
-              <a:buNone/>
-              <a:defRPr sz="913"/>
+            <a:lvl5pPr marL="1919874" indent="0">
+              <a:buNone/>
+              <a:defRPr sz="1050"/>
             </a:lvl5pPr>
-            <a:lvl6pPr marL="2088032" indent="0">
-              <a:buNone/>
-              <a:defRPr sz="913"/>
+            <a:lvl6pPr marL="2399843" indent="0">
+              <a:buNone/>
+              <a:defRPr sz="1050"/>
             </a:lvl6pPr>
-            <a:lvl7pPr marL="2505639" indent="0">
-              <a:buNone/>
-              <a:defRPr sz="913"/>
+            <a:lvl7pPr marL="2879811" indent="0">
+              <a:buNone/>
+              <a:defRPr sz="1050"/>
             </a:lvl7pPr>
-            <a:lvl8pPr marL="2923245" indent="0">
-              <a:buNone/>
-              <a:defRPr sz="913"/>
+            <a:lvl8pPr marL="3359780" indent="0">
+              <a:buNone/>
+              <a:defRPr sz="1050"/>
             </a:lvl8pPr>
-            <a:lvl9pPr marL="3340852" indent="0">
-              <a:buNone/>
-              <a:defRPr sz="913"/>
+            <a:lvl9pPr marL="3839748" indent="0">
+              <a:buNone/>
+              <a:defRPr sz="1050"/>
             </a:lvl9pPr>
           </a:lstStyle>
           <a:p>
@@ -2353,7 +2353,7 @@
           <a:p>
             <a:fld id="{9515DF3E-F12B-478A-A372-8B0BE7EFCB50}" type="datetimeFigureOut">
               <a:rPr lang="en-CA" smtClean="0"/>
-              <a:t>18/10/2016</a:t>
+              <a:t>11/5/16</a:t>
             </a:fld>
             <a:endParaRPr lang="en-CA"/>
           </a:p>
@@ -2404,7 +2404,7 @@
     </p:spTree>
     <p:extLst>
       <p:ext uri="{BB962C8B-B14F-4D97-AF65-F5344CB8AC3E}">
-        <p14:creationId xmlns:p14="http://schemas.microsoft.com/office/powerpoint/2010/main" val="152263264"/>
+        <p14:creationId xmlns:p14="http://schemas.microsoft.com/office/powerpoint/2010/main" val="1827870824"/>
       </p:ext>
     </p:extLst>
   </p:cSld>
@@ -2448,8 +2448,8 @@
         </p:nvSpPr>
         <p:spPr>
           <a:xfrm>
-            <a:off x="574189" y="383299"/>
-            <a:ext cx="7203460" cy="1391534"/>
+            <a:off x="668268" y="383299"/>
+            <a:ext cx="8383727" cy="1391534"/>
           </a:xfrm>
           <a:prstGeom prst="rect">
             <a:avLst/>
@@ -2481,8 +2481,8 @@
         </p:nvSpPr>
         <p:spPr>
           <a:xfrm>
-            <a:off x="574189" y="1916484"/>
-            <a:ext cx="7203460" cy="4567898"/>
+            <a:off x="668268" y="1916484"/>
+            <a:ext cx="8383727" cy="4567898"/>
           </a:xfrm>
           <a:prstGeom prst="rect">
             <a:avLst/>
@@ -2543,8 +2543,8 @@
         </p:nvSpPr>
         <p:spPr>
           <a:xfrm>
-            <a:off x="574189" y="6672698"/>
-            <a:ext cx="1879164" cy="383297"/>
+            <a:off x="668268" y="6672698"/>
+            <a:ext cx="2187059" cy="383297"/>
           </a:xfrm>
           <a:prstGeom prst="rect">
             <a:avLst/>
@@ -2554,7 +2554,7 @@
           <a:bodyPr vert="horz" lIns="91440" tIns="45720" rIns="91440" bIns="45720" rtlCol="0" anchor="ctr"/>
           <a:lstStyle>
             <a:lvl1pPr algn="l">
-              <a:defRPr sz="1096">
+              <a:defRPr sz="1260">
                 <a:solidFill>
                   <a:schemeClr val="tx1">
                     <a:tint val="75000"/>
@@ -2566,7 +2566,7 @@
           <a:p>
             <a:fld id="{9515DF3E-F12B-478A-A372-8B0BE7EFCB50}" type="datetimeFigureOut">
               <a:rPr lang="en-CA" smtClean="0"/>
-              <a:t>18/10/2016</a:t>
+              <a:t>11/5/16</a:t>
             </a:fld>
             <a:endParaRPr lang="en-CA"/>
           </a:p>
@@ -2584,8 +2584,8 @@
         </p:nvSpPr>
         <p:spPr>
           <a:xfrm>
-            <a:off x="2766547" y="6672698"/>
-            <a:ext cx="2818745" cy="383297"/>
+            <a:off x="3219837" y="6672698"/>
+            <a:ext cx="3280589" cy="383297"/>
           </a:xfrm>
           <a:prstGeom prst="rect">
             <a:avLst/>
@@ -2595,7 +2595,7 @@
           <a:bodyPr vert="horz" lIns="91440" tIns="45720" rIns="91440" bIns="45720" rtlCol="0" anchor="ctr"/>
           <a:lstStyle>
             <a:lvl1pPr algn="ctr">
-              <a:defRPr sz="1096">
+              <a:defRPr sz="1260">
                 <a:solidFill>
                   <a:schemeClr val="tx1">
                     <a:tint val="75000"/>
@@ -2621,8 +2621,8 @@
         </p:nvSpPr>
         <p:spPr>
           <a:xfrm>
-            <a:off x="5898485" y="6672698"/>
-            <a:ext cx="1879164" cy="383297"/>
+            <a:off x="6864936" y="6672698"/>
+            <a:ext cx="2187059" cy="383297"/>
           </a:xfrm>
           <a:prstGeom prst="rect">
             <a:avLst/>
@@ -2632,7 +2632,7 @@
           <a:bodyPr vert="horz" lIns="91440" tIns="45720" rIns="91440" bIns="45720" rtlCol="0" anchor="ctr"/>
           <a:lstStyle>
             <a:lvl1pPr algn="r">
-              <a:defRPr sz="1096">
+              <a:defRPr sz="1260">
                 <a:solidFill>
                   <a:schemeClr val="tx1">
                     <a:tint val="75000"/>
@@ -2653,27 +2653,27 @@
     </p:spTree>
     <p:extLst>
       <p:ext uri="{BB962C8B-B14F-4D97-AF65-F5344CB8AC3E}">
-        <p14:creationId xmlns:p14="http://schemas.microsoft.com/office/powerpoint/2010/main" val="2051429071"/>
+        <p14:creationId xmlns:p14="http://schemas.microsoft.com/office/powerpoint/2010/main" val="1811632397"/>
       </p:ext>
     </p:extLst>
   </p:cSld>
   <p:clrMap bg1="lt1" tx1="dk1" bg2="lt2" tx2="dk2" accent1="accent1" accent2="accent2" accent3="accent3" accent4="accent4" accent5="accent5" accent6="accent6" hlink="hlink" folHlink="folHlink"/>
   <p:sldLayoutIdLst>
-    <p:sldLayoutId id="2147483793" r:id="rId1"/>
-    <p:sldLayoutId id="2147483794" r:id="rId2"/>
-    <p:sldLayoutId id="2147483795" r:id="rId3"/>
-    <p:sldLayoutId id="2147483796" r:id="rId4"/>
-    <p:sldLayoutId id="2147483797" r:id="rId5"/>
-    <p:sldLayoutId id="2147483798" r:id="rId6"/>
-    <p:sldLayoutId id="2147483799" r:id="rId7"/>
-    <p:sldLayoutId id="2147483800" r:id="rId8"/>
-    <p:sldLayoutId id="2147483801" r:id="rId9"/>
-    <p:sldLayoutId id="2147483802" r:id="rId10"/>
-    <p:sldLayoutId id="2147483803" r:id="rId11"/>
+    <p:sldLayoutId id="2147483817" r:id="rId1"/>
+    <p:sldLayoutId id="2147483818" r:id="rId2"/>
+    <p:sldLayoutId id="2147483819" r:id="rId3"/>
+    <p:sldLayoutId id="2147483820" r:id="rId4"/>
+    <p:sldLayoutId id="2147483821" r:id="rId5"/>
+    <p:sldLayoutId id="2147483822" r:id="rId6"/>
+    <p:sldLayoutId id="2147483823" r:id="rId7"/>
+    <p:sldLayoutId id="2147483824" r:id="rId8"/>
+    <p:sldLayoutId id="2147483825" r:id="rId9"/>
+    <p:sldLayoutId id="2147483826" r:id="rId10"/>
+    <p:sldLayoutId id="2147483827" r:id="rId11"/>
   </p:sldLayoutIdLst>
   <p:txStyles>
     <p:titleStyle>
-      <a:lvl1pPr algn="l" defTabSz="835213" rtl="0" eaLnBrk="1" latinLnBrk="0" hangingPunct="1">
+      <a:lvl1pPr algn="l" defTabSz="959937" rtl="0" eaLnBrk="1" latinLnBrk="0" hangingPunct="1">
         <a:lnSpc>
           <a:spcPct val="90000"/>
         </a:lnSpc>
@@ -2681,7 +2681,7 @@
           <a:spcPct val="0"/>
         </a:spcBef>
         <a:buNone/>
-        <a:defRPr sz="4019" kern="1200">
+        <a:defRPr sz="4619" kern="1200">
           <a:solidFill>
             <a:schemeClr val="tx1"/>
           </a:solidFill>
@@ -2692,16 +2692,16 @@
       </a:lvl1pPr>
     </p:titleStyle>
     <p:bodyStyle>
-      <a:lvl1pPr marL="208803" indent="-208803" algn="l" defTabSz="835213" rtl="0" eaLnBrk="1" latinLnBrk="0" hangingPunct="1">
+      <a:lvl1pPr marL="239984" indent="-239984" algn="l" defTabSz="959937" rtl="0" eaLnBrk="1" latinLnBrk="0" hangingPunct="1">
         <a:lnSpc>
           <a:spcPct val="90000"/>
         </a:lnSpc>
         <a:spcBef>
-          <a:spcPts val="913"/>
+          <a:spcPts val="1050"/>
         </a:spcBef>
         <a:buFont typeface="Arial" panose="020B0604020202020204" pitchFamily="34" charset="0"/>
         <a:buChar char="•"/>
-        <a:defRPr sz="2558" kern="1200">
+        <a:defRPr sz="2939" kern="1200">
           <a:solidFill>
             <a:schemeClr val="tx1"/>
           </a:solidFill>
@@ -2710,16 +2710,16 @@
           <a:cs typeface="+mn-cs"/>
         </a:defRPr>
       </a:lvl1pPr>
-      <a:lvl2pPr marL="626410" indent="-208803" algn="l" defTabSz="835213" rtl="0" eaLnBrk="1" latinLnBrk="0" hangingPunct="1">
+      <a:lvl2pPr marL="719953" indent="-239984" algn="l" defTabSz="959937" rtl="0" eaLnBrk="1" latinLnBrk="0" hangingPunct="1">
         <a:lnSpc>
           <a:spcPct val="90000"/>
         </a:lnSpc>
         <a:spcBef>
-          <a:spcPts val="457"/>
+          <a:spcPts val="525"/>
         </a:spcBef>
         <a:buFont typeface="Arial" panose="020B0604020202020204" pitchFamily="34" charset="0"/>
         <a:buChar char="•"/>
-        <a:defRPr sz="2192" kern="1200">
+        <a:defRPr sz="2520" kern="1200">
           <a:solidFill>
             <a:schemeClr val="tx1"/>
           </a:solidFill>
@@ -2728,16 +2728,16 @@
           <a:cs typeface="+mn-cs"/>
         </a:defRPr>
       </a:lvl2pPr>
-      <a:lvl3pPr marL="1044016" indent="-208803" algn="l" defTabSz="835213" rtl="0" eaLnBrk="1" latinLnBrk="0" hangingPunct="1">
+      <a:lvl3pPr marL="1199921" indent="-239984" algn="l" defTabSz="959937" rtl="0" eaLnBrk="1" latinLnBrk="0" hangingPunct="1">
         <a:lnSpc>
           <a:spcPct val="90000"/>
         </a:lnSpc>
         <a:spcBef>
-          <a:spcPts val="457"/>
+          <a:spcPts val="525"/>
         </a:spcBef>
         <a:buFont typeface="Arial" panose="020B0604020202020204" pitchFamily="34" charset="0"/>
         <a:buChar char="•"/>
-        <a:defRPr sz="1827" kern="1200">
+        <a:defRPr sz="2100" kern="1200">
           <a:solidFill>
             <a:schemeClr val="tx1"/>
           </a:solidFill>
@@ -2746,16 +2746,16 @@
           <a:cs typeface="+mn-cs"/>
         </a:defRPr>
       </a:lvl3pPr>
-      <a:lvl4pPr marL="1461623" indent="-208803" algn="l" defTabSz="835213" rtl="0" eaLnBrk="1" latinLnBrk="0" hangingPunct="1">
+      <a:lvl4pPr marL="1679890" indent="-239984" algn="l" defTabSz="959937" rtl="0" eaLnBrk="1" latinLnBrk="0" hangingPunct="1">
         <a:lnSpc>
           <a:spcPct val="90000"/>
         </a:lnSpc>
         <a:spcBef>
-          <a:spcPts val="457"/>
+          <a:spcPts val="525"/>
         </a:spcBef>
         <a:buFont typeface="Arial" panose="020B0604020202020204" pitchFamily="34" charset="0"/>
         <a:buChar char="•"/>
-        <a:defRPr sz="1644" kern="1200">
+        <a:defRPr sz="1890" kern="1200">
           <a:solidFill>
             <a:schemeClr val="tx1"/>
           </a:solidFill>
@@ -2764,16 +2764,16 @@
           <a:cs typeface="+mn-cs"/>
         </a:defRPr>
       </a:lvl4pPr>
-      <a:lvl5pPr marL="1879229" indent="-208803" algn="l" defTabSz="835213" rtl="0" eaLnBrk="1" latinLnBrk="0" hangingPunct="1">
+      <a:lvl5pPr marL="2159859" indent="-239984" algn="l" defTabSz="959937" rtl="0" eaLnBrk="1" latinLnBrk="0" hangingPunct="1">
         <a:lnSpc>
           <a:spcPct val="90000"/>
         </a:lnSpc>
         <a:spcBef>
-          <a:spcPts val="457"/>
+          <a:spcPts val="525"/>
         </a:spcBef>
         <a:buFont typeface="Arial" panose="020B0604020202020204" pitchFamily="34" charset="0"/>
         <a:buChar char="•"/>
-        <a:defRPr sz="1644" kern="1200">
+        <a:defRPr sz="1890" kern="1200">
           <a:solidFill>
             <a:schemeClr val="tx1"/>
           </a:solidFill>
@@ -2782,16 +2782,16 @@
           <a:cs typeface="+mn-cs"/>
         </a:defRPr>
       </a:lvl5pPr>
-      <a:lvl6pPr marL="2296836" indent="-208803" algn="l" defTabSz="835213" rtl="0" eaLnBrk="1" latinLnBrk="0" hangingPunct="1">
+      <a:lvl6pPr marL="2639827" indent="-239984" algn="l" defTabSz="959937" rtl="0" eaLnBrk="1" latinLnBrk="0" hangingPunct="1">
         <a:lnSpc>
           <a:spcPct val="90000"/>
         </a:lnSpc>
         <a:spcBef>
-          <a:spcPts val="457"/>
+          <a:spcPts val="525"/>
         </a:spcBef>
         <a:buFont typeface="Arial" panose="020B0604020202020204" pitchFamily="34" charset="0"/>
         <a:buChar char="•"/>
-        <a:defRPr sz="1644" kern="1200">
+        <a:defRPr sz="1890" kern="1200">
           <a:solidFill>
             <a:schemeClr val="tx1"/>
           </a:solidFill>
@@ -2800,16 +2800,16 @@
           <a:cs typeface="+mn-cs"/>
         </a:defRPr>
       </a:lvl6pPr>
-      <a:lvl7pPr marL="2714442" indent="-208803" algn="l" defTabSz="835213" rtl="0" eaLnBrk="1" latinLnBrk="0" hangingPunct="1">
+      <a:lvl7pPr marL="3119796" indent="-239984" algn="l" defTabSz="959937" rtl="0" eaLnBrk="1" latinLnBrk="0" hangingPunct="1">
         <a:lnSpc>
           <a:spcPct val="90000"/>
         </a:lnSpc>
         <a:spcBef>
-          <a:spcPts val="457"/>
+          <a:spcPts val="525"/>
         </a:spcBef>
         <a:buFont typeface="Arial" panose="020B0604020202020204" pitchFamily="34" charset="0"/>
         <a:buChar char="•"/>
-        <a:defRPr sz="1644" kern="1200">
+        <a:defRPr sz="1890" kern="1200">
           <a:solidFill>
             <a:schemeClr val="tx1"/>
           </a:solidFill>
@@ -2818,16 +2818,16 @@
           <a:cs typeface="+mn-cs"/>
         </a:defRPr>
       </a:lvl7pPr>
-      <a:lvl8pPr marL="3132049" indent="-208803" algn="l" defTabSz="835213" rtl="0" eaLnBrk="1" latinLnBrk="0" hangingPunct="1">
+      <a:lvl8pPr marL="3599764" indent="-239984" algn="l" defTabSz="959937" rtl="0" eaLnBrk="1" latinLnBrk="0" hangingPunct="1">
         <a:lnSpc>
           <a:spcPct val="90000"/>
         </a:lnSpc>
         <a:spcBef>
-          <a:spcPts val="457"/>
+          <a:spcPts val="525"/>
         </a:spcBef>
         <a:buFont typeface="Arial" panose="020B0604020202020204" pitchFamily="34" charset="0"/>
         <a:buChar char="•"/>
-        <a:defRPr sz="1644" kern="1200">
+        <a:defRPr sz="1890" kern="1200">
           <a:solidFill>
             <a:schemeClr val="tx1"/>
           </a:solidFill>
@@ -2836,16 +2836,16 @@
           <a:cs typeface="+mn-cs"/>
         </a:defRPr>
       </a:lvl8pPr>
-      <a:lvl9pPr marL="3549655" indent="-208803" algn="l" defTabSz="835213" rtl="0" eaLnBrk="1" latinLnBrk="0" hangingPunct="1">
+      <a:lvl9pPr marL="4079733" indent="-239984" algn="l" defTabSz="959937" rtl="0" eaLnBrk="1" latinLnBrk="0" hangingPunct="1">
         <a:lnSpc>
           <a:spcPct val="90000"/>
         </a:lnSpc>
         <a:spcBef>
-          <a:spcPts val="457"/>
+          <a:spcPts val="525"/>
         </a:spcBef>
         <a:buFont typeface="Arial" panose="020B0604020202020204" pitchFamily="34" charset="0"/>
         <a:buChar char="•"/>
-        <a:defRPr sz="1644" kern="1200">
+        <a:defRPr sz="1890" kern="1200">
           <a:solidFill>
             <a:schemeClr val="tx1"/>
           </a:solidFill>
@@ -2859,8 +2859,8 @@
       <a:defPPr>
         <a:defRPr lang="en-US"/>
       </a:defPPr>
-      <a:lvl1pPr marL="0" algn="l" defTabSz="835213" rtl="0" eaLnBrk="1" latinLnBrk="0" hangingPunct="1">
-        <a:defRPr sz="1644" kern="1200">
+      <a:lvl1pPr marL="0" algn="l" defTabSz="959937" rtl="0" eaLnBrk="1" latinLnBrk="0" hangingPunct="1">
+        <a:defRPr sz="1890" kern="1200">
           <a:solidFill>
             <a:schemeClr val="tx1"/>
           </a:solidFill>
@@ -2869,8 +2869,8 @@
           <a:cs typeface="+mn-cs"/>
         </a:defRPr>
       </a:lvl1pPr>
-      <a:lvl2pPr marL="417606" algn="l" defTabSz="835213" rtl="0" eaLnBrk="1" latinLnBrk="0" hangingPunct="1">
-        <a:defRPr sz="1644" kern="1200">
+      <a:lvl2pPr marL="479969" algn="l" defTabSz="959937" rtl="0" eaLnBrk="1" latinLnBrk="0" hangingPunct="1">
+        <a:defRPr sz="1890" kern="1200">
           <a:solidFill>
             <a:schemeClr val="tx1"/>
           </a:solidFill>
@@ -2879,8 +2879,8 @@
           <a:cs typeface="+mn-cs"/>
         </a:defRPr>
       </a:lvl2pPr>
-      <a:lvl3pPr marL="835213" algn="l" defTabSz="835213" rtl="0" eaLnBrk="1" latinLnBrk="0" hangingPunct="1">
-        <a:defRPr sz="1644" kern="1200">
+      <a:lvl3pPr marL="959937" algn="l" defTabSz="959937" rtl="0" eaLnBrk="1" latinLnBrk="0" hangingPunct="1">
+        <a:defRPr sz="1890" kern="1200">
           <a:solidFill>
             <a:schemeClr val="tx1"/>
           </a:solidFill>
@@ -2889,8 +2889,8 @@
           <a:cs typeface="+mn-cs"/>
         </a:defRPr>
       </a:lvl3pPr>
-      <a:lvl4pPr marL="1252819" algn="l" defTabSz="835213" rtl="0" eaLnBrk="1" latinLnBrk="0" hangingPunct="1">
-        <a:defRPr sz="1644" kern="1200">
+      <a:lvl4pPr marL="1439906" algn="l" defTabSz="959937" rtl="0" eaLnBrk="1" latinLnBrk="0" hangingPunct="1">
+        <a:defRPr sz="1890" kern="1200">
           <a:solidFill>
             <a:schemeClr val="tx1"/>
           </a:solidFill>
@@ -2899,8 +2899,8 @@
           <a:cs typeface="+mn-cs"/>
         </a:defRPr>
       </a:lvl4pPr>
-      <a:lvl5pPr marL="1670426" algn="l" defTabSz="835213" rtl="0" eaLnBrk="1" latinLnBrk="0" hangingPunct="1">
-        <a:defRPr sz="1644" kern="1200">
+      <a:lvl5pPr marL="1919874" algn="l" defTabSz="959937" rtl="0" eaLnBrk="1" latinLnBrk="0" hangingPunct="1">
+        <a:defRPr sz="1890" kern="1200">
           <a:solidFill>
             <a:schemeClr val="tx1"/>
           </a:solidFill>
@@ -2909,8 +2909,8 @@
           <a:cs typeface="+mn-cs"/>
         </a:defRPr>
       </a:lvl5pPr>
-      <a:lvl6pPr marL="2088032" algn="l" defTabSz="835213" rtl="0" eaLnBrk="1" latinLnBrk="0" hangingPunct="1">
-        <a:defRPr sz="1644" kern="1200">
+      <a:lvl6pPr marL="2399843" algn="l" defTabSz="959937" rtl="0" eaLnBrk="1" latinLnBrk="0" hangingPunct="1">
+        <a:defRPr sz="1890" kern="1200">
           <a:solidFill>
             <a:schemeClr val="tx1"/>
           </a:solidFill>
@@ -2919,8 +2919,8 @@
           <a:cs typeface="+mn-cs"/>
         </a:defRPr>
       </a:lvl6pPr>
-      <a:lvl7pPr marL="2505639" algn="l" defTabSz="835213" rtl="0" eaLnBrk="1" latinLnBrk="0" hangingPunct="1">
-        <a:defRPr sz="1644" kern="1200">
+      <a:lvl7pPr marL="2879811" algn="l" defTabSz="959937" rtl="0" eaLnBrk="1" latinLnBrk="0" hangingPunct="1">
+        <a:defRPr sz="1890" kern="1200">
           <a:solidFill>
             <a:schemeClr val="tx1"/>
           </a:solidFill>
@@ -2929,8 +2929,8 @@
           <a:cs typeface="+mn-cs"/>
         </a:defRPr>
       </a:lvl7pPr>
-      <a:lvl8pPr marL="2923245" algn="l" defTabSz="835213" rtl="0" eaLnBrk="1" latinLnBrk="0" hangingPunct="1">
-        <a:defRPr sz="1644" kern="1200">
+      <a:lvl8pPr marL="3359780" algn="l" defTabSz="959937" rtl="0" eaLnBrk="1" latinLnBrk="0" hangingPunct="1">
+        <a:defRPr sz="1890" kern="1200">
           <a:solidFill>
             <a:schemeClr val="tx1"/>
           </a:solidFill>
@@ -2939,8 +2939,8 @@
           <a:cs typeface="+mn-cs"/>
         </a:defRPr>
       </a:lvl8pPr>
-      <a:lvl9pPr marL="3340852" algn="l" defTabSz="835213" rtl="0" eaLnBrk="1" latinLnBrk="0" hangingPunct="1">
-        <a:defRPr sz="1644" kern="1200">
+      <a:lvl9pPr marL="3839748" algn="l" defTabSz="959937" rtl="0" eaLnBrk="1" latinLnBrk="0" hangingPunct="1">
+        <a:defRPr sz="1890" kern="1200">
           <a:solidFill>
             <a:schemeClr val="tx1"/>
           </a:solidFill>
@@ -2979,8 +2979,8 @@
         </p:nvSpPr>
         <p:spPr>
           <a:xfrm>
-            <a:off x="589293" y="5625090"/>
-            <a:ext cx="7043098" cy="1137454"/>
+            <a:off x="459352" y="5671194"/>
+            <a:ext cx="8807926" cy="1137454"/>
           </a:xfrm>
           <a:prstGeom prst="rect">
             <a:avLst/>
@@ -3010,7 +3010,7 @@
           <a:lstStyle/>
           <a:p>
             <a:pPr algn="ctr"/>
-            <a:endParaRPr lang="en-CA" sz="1406">
+            <a:endParaRPr lang="en-CA" sz="1406" b="1">
               <a:solidFill>
                 <a:srgbClr val="666633"/>
               </a:solidFill>
@@ -3026,8 +3026,8 @@
         </p:nvSpPr>
         <p:spPr>
           <a:xfrm>
-            <a:off x="611282" y="2991452"/>
-            <a:ext cx="7028121" cy="1139639"/>
+            <a:off x="459354" y="3052927"/>
+            <a:ext cx="8807927" cy="1139639"/>
           </a:xfrm>
           <a:prstGeom prst="rect">
             <a:avLst/>
@@ -3057,7 +3057,7 @@
           <a:lstStyle/>
           <a:p>
             <a:pPr algn="ctr"/>
-            <a:endParaRPr lang="en-CA" sz="1406">
+            <a:endParaRPr lang="en-CA" sz="1406" b="1" dirty="0">
               <a:solidFill>
                 <a:srgbClr val="666633"/>
               </a:solidFill>
@@ -3073,8 +3073,8 @@
         </p:nvSpPr>
         <p:spPr>
           <a:xfrm>
-            <a:off x="620383" y="407061"/>
-            <a:ext cx="7019548" cy="2383477"/>
+            <a:off x="459354" y="468537"/>
+            <a:ext cx="8807927" cy="2383477"/>
           </a:xfrm>
           <a:prstGeom prst="rect">
             <a:avLst/>
@@ -3104,7 +3104,7 @@
           <a:lstStyle/>
           <a:p>
             <a:pPr algn="ctr"/>
-            <a:endParaRPr lang="en-CA" sz="1406">
+            <a:endParaRPr lang="en-CA" sz="1406" b="1">
               <a:solidFill>
                 <a:srgbClr val="666633"/>
               </a:solidFill>
@@ -3120,7 +3120,7 @@
         </p:nvSpPr>
         <p:spPr>
           <a:xfrm>
-            <a:off x="950206" y="634340"/>
+            <a:off x="789175" y="695815"/>
             <a:ext cx="807940" cy="903615"/>
           </a:xfrm>
           <a:prstGeom prst="flowChartMagneticDisk">
@@ -3172,7 +3172,7 @@
           <a:p>
             <a:pPr algn="ctr"/>
             <a:r>
-              <a:rPr lang="en-CA" sz="1406" dirty="0">
+              <a:rPr lang="en-CA" sz="1406" b="1" dirty="0">
                 <a:solidFill>
                   <a:srgbClr val="666633"/>
                 </a:solidFill>
@@ -3190,7 +3190,7 @@
         </p:nvSpPr>
         <p:spPr>
           <a:xfrm>
-            <a:off x="2063992" y="868407"/>
+            <a:off x="1902964" y="929882"/>
             <a:ext cx="195605" cy="408221"/>
           </a:xfrm>
           <a:prstGeom prst="rightArrow">
@@ -3243,7 +3243,7 @@
           <a:lstStyle/>
           <a:p>
             <a:pPr algn="ctr"/>
-            <a:endParaRPr lang="en-CA" sz="1406" dirty="0">
+            <a:endParaRPr lang="en-CA" sz="1406" b="1" dirty="0">
               <a:solidFill>
                 <a:srgbClr val="666633"/>
               </a:solidFill>
@@ -3259,7 +3259,7 @@
         </p:nvSpPr>
         <p:spPr>
           <a:xfrm>
-            <a:off x="2578374" y="745079"/>
+            <a:off x="2417343" y="806554"/>
             <a:ext cx="2025616" cy="654875"/>
           </a:xfrm>
           <a:prstGeom prst="roundRect">
@@ -3311,7 +3311,7 @@
           <a:p>
             <a:pPr algn="ctr"/>
             <a:r>
-              <a:rPr lang="en-CA" sz="1406" dirty="0">
+              <a:rPr lang="en-CA" sz="1406" b="1" dirty="0">
                 <a:solidFill>
                   <a:srgbClr val="666633"/>
                 </a:solidFill>
@@ -3329,8 +3329,8 @@
         </p:nvSpPr>
         <p:spPr>
           <a:xfrm>
-            <a:off x="5516954" y="802820"/>
-            <a:ext cx="1267187" cy="501772"/>
+            <a:off x="5355925" y="864293"/>
+            <a:ext cx="1267187" cy="501773"/>
           </a:xfrm>
           <a:prstGeom prst="flowChartMultidocument">
             <a:avLst/>
@@ -3381,7 +3381,7 @@
           <a:p>
             <a:pPr algn="ctr"/>
             <a:r>
-              <a:rPr lang="en-CA" sz="1406" dirty="0">
+              <a:rPr lang="en-CA" sz="1406" b="1" dirty="0">
                 <a:solidFill>
                   <a:srgbClr val="666633"/>
                 </a:solidFill>
@@ -3399,8 +3399,8 @@
         </p:nvSpPr>
         <p:spPr>
           <a:xfrm>
-            <a:off x="589293" y="4302249"/>
-            <a:ext cx="7043098" cy="1064741"/>
+            <a:off x="459352" y="4394460"/>
+            <a:ext cx="8807926" cy="1064741"/>
           </a:xfrm>
           <a:prstGeom prst="rect">
             <a:avLst/>
@@ -3430,7 +3430,7 @@
           <a:lstStyle/>
           <a:p>
             <a:pPr algn="ctr"/>
-            <a:endParaRPr lang="en-CA" sz="1406">
+            <a:endParaRPr lang="en-CA" sz="1406" b="1">
               <a:solidFill>
                 <a:srgbClr val="666633"/>
               </a:solidFill>
@@ -3446,7 +3446,7 @@
         </p:nvSpPr>
         <p:spPr>
           <a:xfrm>
-            <a:off x="4983681" y="868405"/>
+            <a:off x="4822653" y="929879"/>
             <a:ext cx="195605" cy="408221"/>
           </a:xfrm>
           <a:prstGeom prst="rightArrow">
@@ -3499,7 +3499,7 @@
           <a:lstStyle/>
           <a:p>
             <a:pPr algn="ctr"/>
-            <a:endParaRPr lang="en-CA" sz="1406">
+            <a:endParaRPr lang="en-CA" sz="1406" b="1">
               <a:solidFill>
                 <a:srgbClr val="666633"/>
               </a:solidFill>
@@ -3515,7 +3515,7 @@
         </p:nvSpPr>
         <p:spPr>
           <a:xfrm>
-            <a:off x="5104202" y="1851365"/>
+            <a:off x="4943172" y="1912839"/>
             <a:ext cx="2119456" cy="668763"/>
           </a:xfrm>
           <a:prstGeom prst="roundRect">
@@ -3567,7 +3567,7 @@
           <a:p>
             <a:pPr algn="ctr"/>
             <a:r>
-              <a:rPr lang="en-CA" sz="1406" dirty="0">
+              <a:rPr lang="en-CA" sz="1406" b="1" dirty="0">
                 <a:solidFill>
                   <a:srgbClr val="666633"/>
                 </a:solidFill>
@@ -3585,7 +3585,7 @@
         </p:nvSpPr>
         <p:spPr>
           <a:xfrm rot="5400000">
-            <a:off x="6091811" y="1410681"/>
+            <a:off x="5930783" y="1472155"/>
             <a:ext cx="195605" cy="408221"/>
           </a:xfrm>
           <a:prstGeom prst="rightArrow">
@@ -3638,7 +3638,7 @@
           <a:lstStyle/>
           <a:p>
             <a:pPr algn="ctr"/>
-            <a:endParaRPr lang="en-CA" sz="1406">
+            <a:endParaRPr lang="en-CA" sz="1406" b="1">
               <a:solidFill>
                 <a:srgbClr val="666633"/>
               </a:solidFill>
@@ -3654,7 +3654,7 @@
         </p:nvSpPr>
         <p:spPr>
           <a:xfrm rot="10800000">
-            <a:off x="4783065" y="4720077"/>
+            <a:off x="4607780" y="4799047"/>
             <a:ext cx="200616" cy="408221"/>
           </a:xfrm>
           <a:prstGeom prst="rightArrow">
@@ -3707,7 +3707,7 @@
           <a:lstStyle/>
           <a:p>
             <a:pPr algn="ctr"/>
-            <a:endParaRPr lang="en-CA" sz="1406">
+            <a:endParaRPr lang="en-CA" sz="1406" b="1">
               <a:solidFill>
                 <a:srgbClr val="666633"/>
               </a:solidFill>
@@ -3723,7 +3723,7 @@
         </p:nvSpPr>
         <p:spPr>
           <a:xfrm>
-            <a:off x="5245966" y="3151207"/>
+            <a:off x="5084935" y="3212679"/>
             <a:ext cx="1954076" cy="761308"/>
           </a:xfrm>
           <a:prstGeom prst="flowChartMultidocument">
@@ -3775,7 +3775,7 @@
           <a:p>
             <a:pPr algn="ctr"/>
             <a:r>
-              <a:rPr lang="en-CA" sz="1406" dirty="0">
+              <a:rPr lang="en-CA" sz="1406" b="1" dirty="0">
                 <a:solidFill>
                   <a:srgbClr val="666633"/>
                 </a:solidFill>
@@ -3793,7 +3793,7 @@
         </p:nvSpPr>
         <p:spPr>
           <a:xfrm>
-            <a:off x="2376555" y="3201588"/>
+            <a:off x="2215525" y="3263060"/>
             <a:ext cx="2108896" cy="671648"/>
           </a:xfrm>
           <a:prstGeom prst="roundRect">
@@ -3845,7 +3845,7 @@
           <a:p>
             <a:pPr algn="ctr"/>
             <a:r>
-              <a:rPr lang="en-CA" sz="1406" dirty="0">
+              <a:rPr lang="en-CA" sz="1406" b="1" dirty="0">
                 <a:solidFill>
                   <a:srgbClr val="666633"/>
                 </a:solidFill>
@@ -3863,7 +3863,7 @@
         </p:nvSpPr>
         <p:spPr>
           <a:xfrm>
-            <a:off x="5417168" y="4560349"/>
+            <a:off x="5256140" y="4652557"/>
             <a:ext cx="1611671" cy="587544"/>
           </a:xfrm>
           <a:prstGeom prst="roundRect">
@@ -3915,7 +3915,7 @@
           <a:p>
             <a:pPr algn="ctr"/>
             <a:r>
-              <a:rPr lang="en-CA" sz="1406" dirty="0">
+              <a:rPr lang="en-CA" sz="1406" b="1" dirty="0">
                 <a:solidFill>
                   <a:srgbClr val="666633"/>
                 </a:solidFill>
@@ -3933,8 +3933,8 @@
         </p:nvSpPr>
         <p:spPr>
           <a:xfrm>
-            <a:off x="2797409" y="4626527"/>
-            <a:ext cx="1267187" cy="501772"/>
+            <a:off x="2636381" y="4718736"/>
+            <a:ext cx="1267187" cy="501773"/>
           </a:xfrm>
           <a:prstGeom prst="flowChartMultidocument">
             <a:avLst/>
@@ -3985,7 +3985,7 @@
           <a:p>
             <a:pPr algn="ctr"/>
             <a:r>
-              <a:rPr lang="en-CA" sz="1406" dirty="0">
+              <a:rPr lang="en-CA" sz="1406" b="1" dirty="0">
                 <a:solidFill>
                   <a:srgbClr val="666633"/>
                 </a:solidFill>
@@ -4003,7 +4003,7 @@
         </p:nvSpPr>
         <p:spPr>
           <a:xfrm>
-            <a:off x="2381005" y="5928495"/>
+            <a:off x="2219974" y="5974599"/>
             <a:ext cx="2045508" cy="626122"/>
           </a:xfrm>
           <a:prstGeom prst="roundRect">
@@ -4054,7 +4054,7 @@
           <a:lstStyle/>
           <a:p>
             <a:pPr algn="ctr"/>
-            <a:endParaRPr lang="en-CA" sz="1406" dirty="0">
+            <a:endParaRPr lang="en-CA" sz="1406" b="1" dirty="0">
               <a:solidFill>
                 <a:srgbClr val="666633"/>
               </a:solidFill>
@@ -4063,35 +4063,38 @@
           <a:p>
             <a:pPr algn="ctr"/>
             <a:r>
-              <a:rPr lang="en-CA" sz="1406" dirty="0">
+              <a:rPr lang="en-CA" sz="1406" b="1" dirty="0">
                 <a:solidFill>
                   <a:srgbClr val="666633"/>
                 </a:solidFill>
               </a:rPr>
-              <a:t>Creating the detailed </a:t>
-            </a:r>
-            <a:r>
-              <a:rPr lang="en-CA" sz="1406">
+              <a:t>Creating the </a:t>
+            </a:r>
+            <a:r>
+              <a:rPr lang="en-CA" sz="1406" b="1" dirty="0" smtClean="0">
                 <a:solidFill>
                   <a:srgbClr val="666633"/>
                 </a:solidFill>
               </a:rPr>
-              <a:t>structural view</a:t>
-            </a:r>
-            <a:endParaRPr lang="en-CA" sz="1406" dirty="0">
+              <a:t>structural generalization </a:t>
+            </a:r>
+            <a:r>
+              <a:rPr lang="en-CA" sz="1406" b="1" dirty="0">
+                <a:solidFill>
+                  <a:srgbClr val="666633"/>
+                </a:solidFill>
+              </a:rPr>
+              <a:t>view</a:t>
+            </a:r>
+          </a:p>
+          <a:p>
+            <a:pPr algn="ctr"/>
+            <a:endParaRPr lang="en-CA" sz="1406" b="1" dirty="0">
               <a:solidFill>
                 <a:srgbClr val="666633"/>
               </a:solidFill>
             </a:endParaRPr>
           </a:p>
-          <a:p>
-            <a:pPr algn="ctr"/>
-            <a:endParaRPr lang="en-CA" sz="1406" dirty="0">
-              <a:solidFill>
-                <a:srgbClr val="666633"/>
-              </a:solidFill>
-            </a:endParaRPr>
-          </a:p>
         </p:txBody>
       </p:sp>
       <p:sp>
@@ -4102,7 +4105,7 @@
         </p:nvSpPr>
         <p:spPr>
           <a:xfrm>
-            <a:off x="5386196" y="5892074"/>
+            <a:off x="5225165" y="5938178"/>
             <a:ext cx="1813846" cy="664308"/>
           </a:xfrm>
           <a:prstGeom prst="flowChartMultidocument">
@@ -4154,7 +4157,7 @@
           <a:p>
             <a:pPr algn="ctr"/>
             <a:r>
-              <a:rPr lang="en-CA" sz="1406" dirty="0">
+              <a:rPr lang="en-CA" sz="1406" b="1" dirty="0">
                 <a:solidFill>
                   <a:srgbClr val="666633"/>
                 </a:solidFill>
@@ -4172,7 +4175,7 @@
         </p:nvSpPr>
         <p:spPr>
           <a:xfrm>
-            <a:off x="4808552" y="5985223"/>
+            <a:off x="4647521" y="6035810"/>
             <a:ext cx="195605" cy="408221"/>
           </a:xfrm>
           <a:prstGeom prst="rightArrow">
@@ -4225,7 +4228,7 @@
           <a:lstStyle/>
           <a:p>
             <a:pPr algn="ctr"/>
-            <a:endParaRPr lang="en-CA" sz="1406">
+            <a:endParaRPr lang="en-CA" sz="1406" b="1">
               <a:solidFill>
                 <a:srgbClr val="666633"/>
               </a:solidFill>
@@ -4241,8 +4244,8 @@
         </p:nvSpPr>
         <p:spPr>
           <a:xfrm>
-            <a:off x="2667636" y="1934860"/>
-            <a:ext cx="1561487" cy="501772"/>
+            <a:off x="2506608" y="1996333"/>
+            <a:ext cx="1561487" cy="501773"/>
           </a:xfrm>
           <a:prstGeom prst="flowChartMultidocument">
             <a:avLst/>
@@ -4293,7 +4296,7 @@
           <a:p>
             <a:pPr algn="ctr"/>
             <a:r>
-              <a:rPr lang="en-CA" sz="1406" dirty="0">
+              <a:rPr lang="en-CA" sz="1406" b="1" dirty="0">
                 <a:solidFill>
                   <a:srgbClr val="666633"/>
                 </a:solidFill>
@@ -4311,7 +4314,7 @@
         </p:nvSpPr>
         <p:spPr>
           <a:xfrm rot="10800000">
-            <a:off x="4568860" y="1958048"/>
+            <a:off x="4407831" y="2019523"/>
             <a:ext cx="195605" cy="408221"/>
           </a:xfrm>
           <a:prstGeom prst="rightArrow">
@@ -4364,7 +4367,7 @@
           <a:lstStyle/>
           <a:p>
             <a:pPr algn="ctr"/>
-            <a:endParaRPr lang="en-CA" sz="1406">
+            <a:endParaRPr lang="en-CA" sz="1406" b="1">
               <a:solidFill>
                 <a:srgbClr val="666633"/>
               </a:solidFill>
@@ -4380,7 +4383,7 @@
         </p:nvSpPr>
         <p:spPr>
           <a:xfrm rot="5400000">
-            <a:off x="3283383" y="2642535"/>
+            <a:off x="3122352" y="2704007"/>
             <a:ext cx="295240" cy="475002"/>
           </a:xfrm>
           <a:prstGeom prst="rightArrow">
@@ -4433,7 +4436,7 @@
           <a:lstStyle/>
           <a:p>
             <a:pPr algn="ctr"/>
-            <a:endParaRPr lang="en-CA" sz="1406" dirty="0">
+            <a:endParaRPr lang="en-CA" sz="1406" b="1" dirty="0">
               <a:solidFill>
                 <a:srgbClr val="666633"/>
               </a:solidFill>
@@ -4449,7 +4452,7 @@
         </p:nvSpPr>
         <p:spPr>
           <a:xfrm>
-            <a:off x="4800481" y="3327751"/>
+            <a:off x="4639453" y="3389225"/>
             <a:ext cx="195605" cy="408221"/>
           </a:xfrm>
           <a:prstGeom prst="rightArrow">
@@ -4502,7 +4505,7 @@
           <a:lstStyle/>
           <a:p>
             <a:pPr algn="ctr"/>
-            <a:endParaRPr lang="en-CA" sz="1406">
+            <a:endParaRPr lang="en-CA" sz="1406" b="1">
               <a:solidFill>
                 <a:srgbClr val="666633"/>
               </a:solidFill>
@@ -4518,7 +4521,7 @@
         </p:nvSpPr>
         <p:spPr>
           <a:xfrm rot="5400000">
-            <a:off x="6075384" y="4002878"/>
+            <a:off x="5914353" y="4064350"/>
             <a:ext cx="295240" cy="475002"/>
           </a:xfrm>
           <a:prstGeom prst="rightArrow">
@@ -4571,7 +4574,7 @@
           <a:lstStyle/>
           <a:p>
             <a:pPr algn="ctr"/>
-            <a:endParaRPr lang="en-CA" sz="1406" dirty="0">
+            <a:endParaRPr lang="en-CA" sz="1406" b="1" dirty="0">
               <a:solidFill>
                 <a:srgbClr val="666633"/>
               </a:solidFill>
@@ -4587,7 +4590,7 @@
         </p:nvSpPr>
         <p:spPr>
           <a:xfrm rot="5400000">
-            <a:off x="3283382" y="5273745"/>
+            <a:off x="3122352" y="5312923"/>
             <a:ext cx="295240" cy="475002"/>
           </a:xfrm>
           <a:prstGeom prst="rightArrow">
@@ -4640,11 +4643,173 @@
           <a:lstStyle/>
           <a:p>
             <a:pPr algn="ctr"/>
-            <a:endParaRPr lang="en-CA" sz="1406" dirty="0">
+            <a:endParaRPr lang="en-CA" sz="1406" b="1" dirty="0">
               <a:solidFill>
                 <a:srgbClr val="666633"/>
               </a:solidFill>
             </a:endParaRPr>
+          </a:p>
+        </p:txBody>
+      </p:sp>
+      <p:sp>
+        <p:nvSpPr>
+          <p:cNvPr id="2" name="TextBox 1"/>
+          <p:cNvSpPr txBox="1"/>
+          <p:nvPr/>
+        </p:nvSpPr>
+        <p:spPr>
+          <a:xfrm>
+            <a:off x="7371898" y="1337107"/>
+            <a:ext cx="1813432" cy="646331"/>
+          </a:xfrm>
+          <a:prstGeom prst="rect">
+            <a:avLst/>
+          </a:prstGeom>
+          <a:noFill/>
+        </p:spPr>
+        <p:txBody>
+          <a:bodyPr wrap="square" rtlCol="0">
+            <a:spAutoFit/>
+          </a:bodyPr>
+          <a:lstStyle/>
+          <a:p>
+            <a:pPr algn="ctr"/>
+            <a:r>
+              <a:rPr lang="en-CA" dirty="0">
+                <a:solidFill>
+                  <a:srgbClr val="292929"/>
+                </a:solidFill>
+              </a:rPr>
+              <a:t>Determining</a:t>
+            </a:r>
+            <a:r>
+              <a:rPr lang="en-CA" b="1" dirty="0">
+                <a:solidFill>
+                  <a:srgbClr val="292929"/>
+                </a:solidFill>
+              </a:rPr>
+              <a:t> </a:t>
+            </a:r>
+            <a:r>
+              <a:rPr lang="en-CA" dirty="0">
+                <a:solidFill>
+                  <a:srgbClr val="292929"/>
+                </a:solidFill>
+              </a:rPr>
+              <a:t>correspondences</a:t>
+            </a:r>
+          </a:p>
+        </p:txBody>
+      </p:sp>
+      <p:sp>
+        <p:nvSpPr>
+          <p:cNvPr id="3" name="TextBox 2"/>
+          <p:cNvSpPr txBox="1"/>
+          <p:nvPr/>
+        </p:nvSpPr>
+        <p:spPr>
+          <a:xfrm>
+            <a:off x="7494844" y="3428112"/>
+            <a:ext cx="1567543" cy="369332"/>
+          </a:xfrm>
+          <a:prstGeom prst="rect">
+            <a:avLst/>
+          </a:prstGeom>
+          <a:noFill/>
+        </p:spPr>
+        <p:txBody>
+          <a:bodyPr wrap="square" rtlCol="0">
+            <a:spAutoFit/>
+          </a:bodyPr>
+          <a:lstStyle/>
+          <a:p>
+            <a:r>
+              <a:rPr lang="en-CA" dirty="0">
+                <a:solidFill>
+                  <a:srgbClr val="292929"/>
+                </a:solidFill>
+              </a:rPr>
+              <a:t>Generalization</a:t>
+            </a:r>
+          </a:p>
+        </p:txBody>
+      </p:sp>
+      <p:sp>
+        <p:nvSpPr>
+          <p:cNvPr id="30" name="TextBox 29"/>
+          <p:cNvSpPr txBox="1"/>
+          <p:nvPr/>
+        </p:nvSpPr>
+        <p:spPr>
+          <a:xfrm>
+            <a:off x="7699737" y="4784955"/>
+            <a:ext cx="1567543" cy="369332"/>
+          </a:xfrm>
+          <a:prstGeom prst="rect">
+            <a:avLst/>
+          </a:prstGeom>
+          <a:noFill/>
+        </p:spPr>
+        <p:txBody>
+          <a:bodyPr wrap="square" rtlCol="0">
+            <a:spAutoFit/>
+          </a:bodyPr>
+          <a:lstStyle/>
+          <a:p>
+            <a:r>
+              <a:rPr lang="en-CA" dirty="0">
+                <a:solidFill>
+                  <a:srgbClr val="292929"/>
+                </a:solidFill>
+              </a:rPr>
+              <a:t>Clustering</a:t>
+            </a:r>
+          </a:p>
+        </p:txBody>
+      </p:sp>
+      <p:sp>
+        <p:nvSpPr>
+          <p:cNvPr id="31" name="TextBox 30"/>
+          <p:cNvSpPr txBox="1"/>
+          <p:nvPr/>
+        </p:nvSpPr>
+        <p:spPr>
+          <a:xfrm>
+            <a:off x="7421054" y="5825995"/>
+            <a:ext cx="1641335" cy="923330"/>
+          </a:xfrm>
+          <a:prstGeom prst="rect">
+            <a:avLst/>
+          </a:prstGeom>
+          <a:noFill/>
+        </p:spPr>
+        <p:txBody>
+          <a:bodyPr wrap="square" rtlCol="0">
+            <a:spAutoFit/>
+          </a:bodyPr>
+          <a:lstStyle/>
+          <a:p>
+            <a:pPr algn="ctr"/>
+            <a:r>
+              <a:rPr lang="en-CA" dirty="0">
+                <a:solidFill>
+                  <a:srgbClr val="292929"/>
+                </a:solidFill>
+              </a:rPr>
+              <a:t>Examining</a:t>
+            </a:r>
+            <a:r>
+              <a:rPr lang="en-CA" dirty="0"/>
+              <a:t> </a:t>
+            </a:r>
+            <a:r>
+              <a:rPr lang="en-CA" dirty="0">
+                <a:solidFill>
+                  <a:srgbClr val="292929"/>
+                </a:solidFill>
+              </a:rPr>
+              <a:t>logging usage schemas</a:t>
+            </a:r>
           </a:p>
         </p:txBody>
       </p:sp>
@@ -4704,7 +4869,7 @@
     </a:clrScheme>
     <a:fontScheme name="Office Theme">
       <a:majorFont>
-        <a:latin typeface="Calibri Light" panose="020F0302020204030204"/>
+        <a:latin typeface="Calibri Light"/>
         <a:ea typeface=""/>
         <a:cs typeface=""/>
         <a:font script="Jpan" typeface="游ゴシック Light"/>
@@ -4739,7 +4904,7 @@
         <a:font script="Geor" typeface="Sylfaen"/>
       </a:majorFont>
       <a:minorFont>
-        <a:latin typeface="Calibri" panose="020F0502020204030204"/>
+        <a:latin typeface="Calibri"/>
         <a:ea typeface=""/>
         <a:cs typeface=""/>
         <a:font script="Jpan" typeface="游ゴシック"/>
@@ -4916,7 +5081,7 @@
   <a:extraClrSchemeLst/>
   <a:extLst>
     <a:ext uri="{05A4C25C-085E-4340-85A3-A5531E510DB2}">
-      <thm15:themeFamily xmlns:thm15="http://schemas.microsoft.com/office/thememl/2012/main" name="Office Theme" id="{62F939B6-93AF-4DB8-9C6B-D6C7DFDC589F}" vid="{4A3C46E8-61CC-4603-A589-7422A47A8E4A}"/>
+      <thm15:themeFamily xmlns:thm15="http://schemas.microsoft.com/office/thememl/2012/main" xmlns="" name="Office Theme" id="{62F939B6-93AF-4DB8-9C6B-D6C7DFDC589F}" vid="{4A3C46E8-61CC-4603-A589-7422A47A8E4A}"/>
     </a:ext>
   </a:extLst>
 </a:theme>
